--- a/Writing/WesFest Poster 2.pptx
+++ b/Writing/WesFest Poster 2.pptx
@@ -167,6 +167,277 @@
     </p:ext>
   </p:extLst>
 </p:presentation>
+</file>
+
+<file path=ppt/authors.xml><?xml version="1.0" encoding="utf-8"?>
+<p188:authorLst xmlns:a="http://schemas.openxmlformats.org/drawingml/2006/main" xmlns:r="http://schemas.openxmlformats.org/officeDocument/2006/relationships" xmlns:p188="http://schemas.microsoft.com/office/powerpoint/2018/8/main">
+  <p188:author id="{28D79484-32C7-AA39-D034-86C51FD8E679}" name="Caleb Henning" initials="CH" userId="S::chenning@wesleyan.edu::d63c03b4-1ac9-45f3-af77-7fa3e5e21368" providerId="AD"/>
+</p188:authorLst>
+</file>
+
+<file path=ppt/revisionInfo.xml><?xml version="1.0" encoding="utf-8"?>
+<p1510:revInfo xmlns:a="http://schemas.openxmlformats.org/drawingml/2006/main" xmlns:r="http://schemas.openxmlformats.org/officeDocument/2006/relationships" xmlns:p1510="http://schemas.microsoft.com/office/powerpoint/2015/10/main">
+  <p1510:revLst>
+    <p1510:client id="{BDB91BB7-2F19-46C7-A3FE-7B0EDB3A73DC}" v="261" dt="2025-04-10T19:46:31.313"/>
+  </p1510:revLst>
+</p1510:revInfo>
+</file>
+
+<file path=ppt/changesInfos/changesInfo1.xml><?xml version="1.0" encoding="utf-8"?>
+<pc:chgInfo xmlns:a="http://schemas.openxmlformats.org/drawingml/2006/main" xmlns:r="http://schemas.openxmlformats.org/officeDocument/2006/relationships" xmlns:ac="http://schemas.microsoft.com/office/drawing/2013/main/command" xmlns:pc="http://schemas.microsoft.com/office/powerpoint/2013/main/command">
+  <pc:docChgLst>
+    <pc:chgData name="Caleb Henning" userId="d63c03b4-1ac9-45f3-af77-7fa3e5e21368" providerId="ADAL" clId="{BDB91BB7-2F19-46C7-A3FE-7B0EDB3A73DC}"/>
+    <pc:docChg chg="undo redo custSel modSld">
+      <pc:chgData name="Caleb Henning" userId="d63c03b4-1ac9-45f3-af77-7fa3e5e21368" providerId="ADAL" clId="{BDB91BB7-2F19-46C7-A3FE-7B0EDB3A73DC}" dt="2025-04-10T19:50:44.755" v="16464" actId="20577"/>
+      <pc:docMkLst>
+        <pc:docMk/>
+      </pc:docMkLst>
+      <pc:sldChg chg="addSp delSp modSp mod modCm">
+        <pc:chgData name="Caleb Henning" userId="d63c03b4-1ac9-45f3-af77-7fa3e5e21368" providerId="ADAL" clId="{BDB91BB7-2F19-46C7-A3FE-7B0EDB3A73DC}" dt="2025-04-10T19:50:44.755" v="16464" actId="20577"/>
+        <pc:sldMkLst>
+          <pc:docMk/>
+          <pc:sldMk cId="0" sldId="256"/>
+        </pc:sldMkLst>
+        <pc:spChg chg="add mod">
+          <ac:chgData name="Caleb Henning" userId="d63c03b4-1ac9-45f3-af77-7fa3e5e21368" providerId="ADAL" clId="{BDB91BB7-2F19-46C7-A3FE-7B0EDB3A73DC}" dt="2025-04-10T19:24:20.220" v="15927" actId="255"/>
+          <ac:spMkLst>
+            <pc:docMk/>
+            <pc:sldMk cId="0" sldId="256"/>
+            <ac:spMk id="3" creationId="{BBFD1DFB-0B82-B30F-997C-7F7EEEE9FAA5}"/>
+          </ac:spMkLst>
+        </pc:spChg>
+        <pc:spChg chg="add mod">
+          <ac:chgData name="Caleb Henning" userId="d63c03b4-1ac9-45f3-af77-7fa3e5e21368" providerId="ADAL" clId="{BDB91BB7-2F19-46C7-A3FE-7B0EDB3A73DC}" dt="2025-04-10T18:37:52.289" v="14510" actId="1035"/>
+          <ac:spMkLst>
+            <pc:docMk/>
+            <pc:sldMk cId="0" sldId="256"/>
+            <ac:spMk id="4" creationId="{5A39DC8D-1A2C-36A1-FB2C-4A4E9BF606BF}"/>
+          </ac:spMkLst>
+        </pc:spChg>
+        <pc:spChg chg="add mod">
+          <ac:chgData name="Caleb Henning" userId="d63c03b4-1ac9-45f3-af77-7fa3e5e21368" providerId="ADAL" clId="{BDB91BB7-2F19-46C7-A3FE-7B0EDB3A73DC}" dt="2025-04-08T00:06:30.657" v="2215" actId="1035"/>
+          <ac:spMkLst>
+            <pc:docMk/>
+            <pc:sldMk cId="0" sldId="256"/>
+            <ac:spMk id="5" creationId="{50491DE1-9985-1A09-2B29-22B3577D4969}"/>
+          </ac:spMkLst>
+        </pc:spChg>
+        <pc:spChg chg="add mod">
+          <ac:chgData name="Caleb Henning" userId="d63c03b4-1ac9-45f3-af77-7fa3e5e21368" providerId="ADAL" clId="{BDB91BB7-2F19-46C7-A3FE-7B0EDB3A73DC}" dt="2025-04-08T00:12:33.837" v="3157" actId="14100"/>
+          <ac:spMkLst>
+            <pc:docMk/>
+            <pc:sldMk cId="0" sldId="256"/>
+            <ac:spMk id="6" creationId="{9B07F5B1-99B8-BCCA-FD04-451247397CE3}"/>
+          </ac:spMkLst>
+        </pc:spChg>
+        <pc:spChg chg="add mod">
+          <ac:chgData name="Caleb Henning" userId="d63c03b4-1ac9-45f3-af77-7fa3e5e21368" providerId="ADAL" clId="{BDB91BB7-2F19-46C7-A3FE-7B0EDB3A73DC}" dt="2025-04-08T00:12:42.371" v="3158" actId="14100"/>
+          <ac:spMkLst>
+            <pc:docMk/>
+            <pc:sldMk cId="0" sldId="256"/>
+            <ac:spMk id="9" creationId="{30D14412-107C-5A87-12EB-CB64BEA2EC69}"/>
+          </ac:spMkLst>
+        </pc:spChg>
+        <pc:spChg chg="mod">
+          <ac:chgData name="Caleb Henning" userId="d63c03b4-1ac9-45f3-af77-7fa3e5e21368" providerId="ADAL" clId="{BDB91BB7-2F19-46C7-A3FE-7B0EDB3A73DC}" dt="2025-04-10T19:30:00.944" v="16055" actId="20577"/>
+          <ac:spMkLst>
+            <pc:docMk/>
+            <pc:sldMk cId="0" sldId="256"/>
+            <ac:spMk id="2050" creationId="{35597E2D-1251-7F7C-C890-479C327CF109}"/>
+          </ac:spMkLst>
+        </pc:spChg>
+        <pc:spChg chg="mod">
+          <ac:chgData name="Caleb Henning" userId="d63c03b4-1ac9-45f3-af77-7fa3e5e21368" providerId="ADAL" clId="{BDB91BB7-2F19-46C7-A3FE-7B0EDB3A73DC}" dt="2025-04-10T19:26:32.402" v="15964" actId="20577"/>
+          <ac:spMkLst>
+            <pc:docMk/>
+            <pc:sldMk cId="0" sldId="256"/>
+            <ac:spMk id="2053" creationId="{58EB79F9-171C-47D8-1871-971A997007ED}"/>
+          </ac:spMkLst>
+        </pc:spChg>
+        <pc:spChg chg="mod">
+          <ac:chgData name="Caleb Henning" userId="d63c03b4-1ac9-45f3-af77-7fa3e5e21368" providerId="ADAL" clId="{BDB91BB7-2F19-46C7-A3FE-7B0EDB3A73DC}" dt="2025-04-10T19:21:25.996" v="15551" actId="20577"/>
+          <ac:spMkLst>
+            <pc:docMk/>
+            <pc:sldMk cId="0" sldId="256"/>
+            <ac:spMk id="2054" creationId="{C6DBCAF1-5E2D-C053-B366-B9F2418B2E98}"/>
+          </ac:spMkLst>
+        </pc:spChg>
+        <pc:spChg chg="mod">
+          <ac:chgData name="Caleb Henning" userId="d63c03b4-1ac9-45f3-af77-7fa3e5e21368" providerId="ADAL" clId="{BDB91BB7-2F19-46C7-A3FE-7B0EDB3A73DC}" dt="2025-04-10T19:50:44.755" v="16464" actId="20577"/>
+          <ac:spMkLst>
+            <pc:docMk/>
+            <pc:sldMk cId="0" sldId="256"/>
+            <ac:spMk id="2056" creationId="{40B1087D-D878-CD8F-0E56-2609A172A3A7}"/>
+          </ac:spMkLst>
+        </pc:spChg>
+        <pc:spChg chg="mod">
+          <ac:chgData name="Caleb Henning" userId="d63c03b4-1ac9-45f3-af77-7fa3e5e21368" providerId="ADAL" clId="{BDB91BB7-2F19-46C7-A3FE-7B0EDB3A73DC}" dt="2025-04-10T18:38:48.408" v="14512" actId="1035"/>
+          <ac:spMkLst>
+            <pc:docMk/>
+            <pc:sldMk cId="0" sldId="256"/>
+            <ac:spMk id="2057" creationId="{04AFB3B6-8F08-4809-E815-7B9C7A150C5B}"/>
+          </ac:spMkLst>
+        </pc:spChg>
+        <pc:spChg chg="mod">
+          <ac:chgData name="Caleb Henning" userId="d63c03b4-1ac9-45f3-af77-7fa3e5e21368" providerId="ADAL" clId="{BDB91BB7-2F19-46C7-A3FE-7B0EDB3A73DC}" dt="2025-04-10T19:28:26.977" v="16038" actId="20577"/>
+          <ac:spMkLst>
+            <pc:docMk/>
+            <pc:sldMk cId="0" sldId="256"/>
+            <ac:spMk id="2058" creationId="{2E759E08-91B6-8C3D-5883-BA86AB1AF014}"/>
+          </ac:spMkLst>
+        </pc:spChg>
+        <pc:spChg chg="mod">
+          <ac:chgData name="Caleb Henning" userId="d63c03b4-1ac9-45f3-af77-7fa3e5e21368" providerId="ADAL" clId="{BDB91BB7-2F19-46C7-A3FE-7B0EDB3A73DC}" dt="2025-04-07T23:27:38.060" v="1171" actId="1582"/>
+          <ac:spMkLst>
+            <pc:docMk/>
+            <pc:sldMk cId="0" sldId="256"/>
+            <ac:spMk id="2083" creationId="{1B674167-14CC-FB8A-46B5-4A3434C208A0}"/>
+          </ac:spMkLst>
+        </pc:spChg>
+        <pc:spChg chg="mod">
+          <ac:chgData name="Caleb Henning" userId="d63c03b4-1ac9-45f3-af77-7fa3e5e21368" providerId="ADAL" clId="{BDB91BB7-2F19-46C7-A3FE-7B0EDB3A73DC}" dt="2025-04-10T18:39:10.668" v="14515" actId="1035"/>
+          <ac:spMkLst>
+            <pc:docMk/>
+            <pc:sldMk cId="0" sldId="256"/>
+            <ac:spMk id="2084" creationId="{EACCFABB-CDF5-0A7A-888C-58EA7F39E7EA}"/>
+          </ac:spMkLst>
+        </pc:spChg>
+        <pc:spChg chg="mod">
+          <ac:chgData name="Caleb Henning" userId="d63c03b4-1ac9-45f3-af77-7fa3e5e21368" providerId="ADAL" clId="{BDB91BB7-2F19-46C7-A3FE-7B0EDB3A73DC}" dt="2025-04-10T19:26:19.510" v="15958" actId="1036"/>
+          <ac:spMkLst>
+            <pc:docMk/>
+            <pc:sldMk cId="0" sldId="256"/>
+            <ac:spMk id="2085" creationId="{08A9AAAC-6D69-EB0B-BEAA-68B31118D51C}"/>
+          </ac:spMkLst>
+        </pc:spChg>
+        <pc:spChg chg="mod">
+          <ac:chgData name="Caleb Henning" userId="d63c03b4-1ac9-45f3-af77-7fa3e5e21368" providerId="ADAL" clId="{BDB91BB7-2F19-46C7-A3FE-7B0EDB3A73DC}" dt="2025-04-10T18:39:19.569" v="14516" actId="1035"/>
+          <ac:spMkLst>
+            <pc:docMk/>
+            <pc:sldMk cId="0" sldId="256"/>
+            <ac:spMk id="2088" creationId="{FE0F5683-4410-6C67-0EFE-C1CED3D1959D}"/>
+          </ac:spMkLst>
+        </pc:spChg>
+        <pc:spChg chg="mod">
+          <ac:chgData name="Caleb Henning" userId="d63c03b4-1ac9-45f3-af77-7fa3e5e21368" providerId="ADAL" clId="{BDB91BB7-2F19-46C7-A3FE-7B0EDB3A73DC}" dt="2025-04-10T19:46:31.313" v="16056" actId="1036"/>
+          <ac:spMkLst>
+            <pc:docMk/>
+            <pc:sldMk cId="0" sldId="256"/>
+            <ac:spMk id="2090" creationId="{8F9E1A00-B2EF-99A2-73A8-D01A22CE69A7}"/>
+          </ac:spMkLst>
+        </pc:spChg>
+        <pc:picChg chg="mod">
+          <ac:chgData name="Caleb Henning" userId="d63c03b4-1ac9-45f3-af77-7fa3e5e21368" providerId="ADAL" clId="{BDB91BB7-2F19-46C7-A3FE-7B0EDB3A73DC}" dt="2025-04-09T20:13:51.003" v="11922" actId="14100"/>
+          <ac:picMkLst>
+            <pc:docMk/>
+            <pc:sldMk cId="0" sldId="256"/>
+            <ac:picMk id="2" creationId="{0354D87C-282A-2D6D-4770-6BA791887770}"/>
+          </ac:picMkLst>
+        </pc:picChg>
+        <pc:picChg chg="add mod">
+          <ac:chgData name="Caleb Henning" userId="d63c03b4-1ac9-45f3-af77-7fa3e5e21368" providerId="ADAL" clId="{BDB91BB7-2F19-46C7-A3FE-7B0EDB3A73DC}" dt="2025-04-10T18:36:05.133" v="14333" actId="1035"/>
+          <ac:picMkLst>
+            <pc:docMk/>
+            <pc:sldMk cId="0" sldId="256"/>
+            <ac:picMk id="15" creationId="{096A49CC-1B29-86B0-1A50-EF85B06D4904}"/>
+          </ac:picMkLst>
+        </pc:picChg>
+        <pc:picChg chg="add mod">
+          <ac:chgData name="Caleb Henning" userId="d63c03b4-1ac9-45f3-af77-7fa3e5e21368" providerId="ADAL" clId="{BDB91BB7-2F19-46C7-A3FE-7B0EDB3A73DC}" dt="2025-04-10T18:39:04.901" v="14514" actId="1036"/>
+          <ac:picMkLst>
+            <pc:docMk/>
+            <pc:sldMk cId="0" sldId="256"/>
+            <ac:picMk id="20" creationId="{CC4D4D73-6473-FA37-BE7D-76B8B8311F08}"/>
+          </ac:picMkLst>
+        </pc:picChg>
+        <pc:picChg chg="add mod">
+          <ac:chgData name="Caleb Henning" userId="d63c03b4-1ac9-45f3-af77-7fa3e5e21368" providerId="ADAL" clId="{BDB91BB7-2F19-46C7-A3FE-7B0EDB3A73DC}" dt="2025-04-10T19:26:20.839" v="15959" actId="1036"/>
+          <ac:picMkLst>
+            <pc:docMk/>
+            <pc:sldMk cId="0" sldId="256"/>
+            <ac:picMk id="22" creationId="{DD5EB9D7-06F0-5E26-9246-AF219073EC42}"/>
+          </ac:picMkLst>
+        </pc:picChg>
+        <pc:picChg chg="add mod">
+          <ac:chgData name="Caleb Henning" userId="d63c03b4-1ac9-45f3-af77-7fa3e5e21368" providerId="ADAL" clId="{BDB91BB7-2F19-46C7-A3FE-7B0EDB3A73DC}" dt="2025-04-10T19:22:59.059" v="15582" actId="1036"/>
+          <ac:picMkLst>
+            <pc:docMk/>
+            <pc:sldMk cId="0" sldId="256"/>
+            <ac:picMk id="23" creationId="{5A30BE29-03ED-971F-2CD9-531769D96283}"/>
+          </ac:picMkLst>
+        </pc:picChg>
+        <pc:extLst>
+          <p:ext xmlns:p="http://schemas.openxmlformats.org/presentationml/2006/main" uri="{D6D511B9-2390-475A-947B-AFAB55BFBCF1}">
+            <pc226:cmChg xmlns:pc226="http://schemas.microsoft.com/office/powerpoint/2022/06/main/command" chg="mod">
+              <pc226:chgData name="Caleb Henning" userId="d63c03b4-1ac9-45f3-af77-7fa3e5e21368" providerId="ADAL" clId="{BDB91BB7-2F19-46C7-A3FE-7B0EDB3A73DC}" dt="2025-04-10T18:23:09.288" v="13361" actId="20577"/>
+              <pc2:cmMkLst xmlns:pc2="http://schemas.microsoft.com/office/powerpoint/2019/9/main/command">
+                <pc:docMk/>
+                <pc:sldMk cId="0" sldId="256"/>
+                <pc2:cmMk id="{005A5334-56DD-49B7-9B06-C099A2D1A2E6}"/>
+              </pc2:cmMkLst>
+            </pc226:cmChg>
+            <pc226:cmChg xmlns:pc226="http://schemas.microsoft.com/office/powerpoint/2022/06/main/command" chg="mod">
+              <pc226:chgData name="Caleb Henning" userId="d63c03b4-1ac9-45f3-af77-7fa3e5e21368" providerId="ADAL" clId="{BDB91BB7-2F19-46C7-A3FE-7B0EDB3A73DC}" dt="2025-04-10T18:30:49.249" v="13893" actId="20577"/>
+              <pc2:cmMkLst xmlns:pc2="http://schemas.microsoft.com/office/powerpoint/2019/9/main/command">
+                <pc:docMk/>
+                <pc:sldMk cId="0" sldId="256"/>
+                <pc2:cmMk id="{56578552-5BD7-4FB5-A321-2E977F5FC388}"/>
+              </pc2:cmMkLst>
+            </pc226:cmChg>
+            <pc226:cmChg xmlns:pc226="http://schemas.microsoft.com/office/powerpoint/2022/06/main/command" chg="mod">
+              <pc226:chgData name="Caleb Henning" userId="d63c03b4-1ac9-45f3-af77-7fa3e5e21368" providerId="ADAL" clId="{BDB91BB7-2F19-46C7-A3FE-7B0EDB3A73DC}" dt="2025-04-10T18:10:07.440" v="12512" actId="20577"/>
+              <pc2:cmMkLst xmlns:pc2="http://schemas.microsoft.com/office/powerpoint/2019/9/main/command">
+                <pc:docMk/>
+                <pc:sldMk cId="0" sldId="256"/>
+                <pc2:cmMk id="{9E59DE63-538A-4DAD-8E60-960FB32AA7C5}"/>
+              </pc2:cmMkLst>
+            </pc226:cmChg>
+            <pc226:cmChg xmlns:pc226="http://schemas.microsoft.com/office/powerpoint/2022/06/main/command" chg="mod">
+              <pc226:chgData name="Caleb Henning" userId="d63c03b4-1ac9-45f3-af77-7fa3e5e21368" providerId="ADAL" clId="{BDB91BB7-2F19-46C7-A3FE-7B0EDB3A73DC}" dt="2025-04-09T18:39:27.364" v="5380" actId="20577"/>
+              <pc2:cmMkLst xmlns:pc2="http://schemas.microsoft.com/office/powerpoint/2019/9/main/command">
+                <pc:docMk/>
+                <pc:sldMk cId="0" sldId="256"/>
+                <pc2:cmMk id="{D6F1586C-B24C-49E6-8E7F-0E3173802AD8}"/>
+              </pc2:cmMkLst>
+            </pc226:cmChg>
+            <pc226:cmChg xmlns:pc226="http://schemas.microsoft.com/office/powerpoint/2022/06/main/command" chg="mod">
+              <pc226:chgData name="Caleb Henning" userId="d63c03b4-1ac9-45f3-af77-7fa3e5e21368" providerId="ADAL" clId="{BDB91BB7-2F19-46C7-A3FE-7B0EDB3A73DC}" dt="2025-04-10T19:28:26.977" v="16038" actId="20577"/>
+              <pc2:cmMkLst xmlns:pc2="http://schemas.microsoft.com/office/powerpoint/2019/9/main/command">
+                <pc:docMk/>
+                <pc:sldMk cId="0" sldId="256"/>
+                <pc2:cmMk id="{953D8C79-6CE3-4477-8823-BA3FFCB30DAE}"/>
+              </pc2:cmMkLst>
+            </pc226:cmChg>
+            <pc226:cmChg xmlns:pc226="http://schemas.microsoft.com/office/powerpoint/2022/06/main/command" chg="mod">
+              <pc226:chgData name="Caleb Henning" userId="d63c03b4-1ac9-45f3-af77-7fa3e5e21368" providerId="ADAL" clId="{BDB91BB7-2F19-46C7-A3FE-7B0EDB3A73DC}" dt="2025-04-10T18:23:09.288" v="13361" actId="20577"/>
+              <pc2:cmMkLst xmlns:pc2="http://schemas.microsoft.com/office/powerpoint/2019/9/main/command">
+                <pc:docMk/>
+                <pc:sldMk cId="0" sldId="256"/>
+                <pc2:cmMk id="{9A408A7D-FE25-4642-BEBC-16C9160CF9C5}"/>
+              </pc2:cmMkLst>
+            </pc226:cmChg>
+            <pc226:cmChg xmlns:pc226="http://schemas.microsoft.com/office/powerpoint/2022/06/main/command" chg="mod">
+              <pc226:chgData name="Caleb Henning" userId="d63c03b4-1ac9-45f3-af77-7fa3e5e21368" providerId="ADAL" clId="{BDB91BB7-2F19-46C7-A3FE-7B0EDB3A73DC}" dt="2025-04-10T18:22:34.424" v="13356" actId="20577"/>
+              <pc2:cmMkLst xmlns:pc2="http://schemas.microsoft.com/office/powerpoint/2019/9/main/command">
+                <pc:docMk/>
+                <pc:sldMk cId="0" sldId="256"/>
+                <pc2:cmMk id="{DFAEB4B2-A1E7-44E4-9D57-D70F2C82540C}"/>
+              </pc2:cmMkLst>
+            </pc226:cmChg>
+            <pc226:cmChg xmlns:pc226="http://schemas.microsoft.com/office/powerpoint/2022/06/main/command" chg="mod">
+              <pc226:chgData name="Caleb Henning" userId="d63c03b4-1ac9-45f3-af77-7fa3e5e21368" providerId="ADAL" clId="{BDB91BB7-2F19-46C7-A3FE-7B0EDB3A73DC}" dt="2025-04-10T19:21:25.996" v="15551" actId="20577"/>
+              <pc2:cmMkLst xmlns:pc2="http://schemas.microsoft.com/office/powerpoint/2019/9/main/command">
+                <pc:docMk/>
+                <pc:sldMk cId="0" sldId="256"/>
+                <pc2:cmMk id="{9BD699DB-74BF-43FB-8F90-D19AA0348FD2}"/>
+              </pc2:cmMkLst>
+            </pc226:cmChg>
+          </p:ext>
+        </pc:extLst>
+      </pc:sldChg>
+    </pc:docChg>
+  </pc:docChgLst>
+</pc:chgInfo>
 </file>
 
 <file path=ppt/handoutMasters/handoutMaster1.xml><?xml version="1.0" encoding="utf-8"?>
@@ -4488,8 +4759,8 @@
         </p:nvSpPr>
         <p:spPr bwMode="auto">
           <a:xfrm>
-            <a:off x="203200" y="-304800"/>
-            <a:ext cx="36372800" cy="3582519"/>
+            <a:off x="406400" y="-304800"/>
+            <a:ext cx="36169600" cy="3416320"/>
           </a:xfrm>
           <a:prstGeom prst="rect">
             <a:avLst/>
@@ -4519,7 +4790,7 @@
           </a:extLst>
         </p:spPr>
         <p:txBody>
-          <a:bodyPr lIns="457200" tIns="457200" rIns="457200" bIns="457200">
+          <a:bodyPr wrap="square" lIns="457200" tIns="457200" rIns="457200" bIns="457200">
             <a:spAutoFit/>
           </a:bodyPr>
           <a:lstStyle>
@@ -4622,34 +4893,44 @@
           </a:lstStyle>
           <a:p>
             <a:pPr>
-              <a:lnSpc>
-                <a:spcPct val="90000"/>
-              </a:lnSpc>
+              <a:spcBef>
+                <a:spcPct val="0"/>
+              </a:spcBef>
+              <a:buFontTx/>
+              <a:buNone/>
             </a:pPr>
             <a:r>
-              <a:rPr lang="en-US" altLang="en-US" sz="9600" b="0" dirty="0">
-                <a:solidFill>
-                  <a:srgbClr val="6DB1FF"/>
-                </a:solidFill>
-                <a:latin typeface="Gill Sans" panose="020B0502020104020203" pitchFamily="34" charset="-79"/>
+              <a:rPr lang="en-US" altLang="en-US" sz="8100" b="1" dirty="0">
+                <a:solidFill>
+                  <a:srgbClr val="002060"/>
+                </a:solidFill>
+                <a:latin typeface="Cambria" panose="02040503050406030204" pitchFamily="18" charset="0"/>
+                <a:ea typeface="Lora" panose="02000503000000020004" pitchFamily="2" charset="77"/>
+                <a:cs typeface="Consolas" panose="020B0609020204030204" pitchFamily="49" charset="0"/>
               </a:rPr>
-              <a:t>The Association Between Seasonal Affective Disorder </a:t>
-            </a:r>
-          </a:p>
-          <a:p>
-            <a:pPr>
-              <a:lnSpc>
-                <a:spcPct val="90000"/>
-              </a:lnSpc>
-            </a:pPr>
-            <a:r>
-              <a:rPr lang="en-US" altLang="en-US" sz="9600" b="0" dirty="0">
-                <a:solidFill>
-                  <a:srgbClr val="6DB1FF"/>
-                </a:solidFill>
-                <a:latin typeface="Gill Sans" panose="020B0502020104020203" pitchFamily="34" charset="-79"/>
+              <a:t>Factors </a:t>
+            </a:r>
+            <a:r>
+              <a:rPr lang="en-US" altLang="en-US" sz="8100" dirty="0">
+                <a:solidFill>
+                  <a:srgbClr val="002060"/>
+                </a:solidFill>
+                <a:latin typeface="Cambria" panose="02040503050406030204" pitchFamily="18" charset="0"/>
+                <a:ea typeface="Lora" panose="02000503000000020004" pitchFamily="2" charset="77"/>
+                <a:cs typeface="Consolas" panose="020B0609020204030204" pitchFamily="49" charset="0"/>
               </a:rPr>
-              <a:t>(SAD) and Consumer Confidence</a:t>
+              <a:t>That Relate to Successful </a:t>
+            </a:r>
+            <a:r>
+              <a:rPr lang="en-US" altLang="en-US" sz="8100" b="1" dirty="0">
+                <a:solidFill>
+                  <a:srgbClr val="002060"/>
+                </a:solidFill>
+                <a:latin typeface="Cambria" panose="02040503050406030204" pitchFamily="18" charset="0"/>
+                <a:ea typeface="Lora" panose="02000503000000020004" pitchFamily="2" charset="77"/>
+                <a:cs typeface="Consolas" panose="020B0609020204030204" pitchFamily="49" charset="0"/>
+              </a:rPr>
+              <a:t>Post-Incarceration Outcomes for Individuals in Community Justice Programs in Connecticut</a:t>
             </a:r>
           </a:p>
         </p:txBody>
@@ -4717,7 +4998,7 @@
         </p:nvSpPr>
         <p:spPr bwMode="auto">
           <a:xfrm>
-            <a:off x="406400" y="2736850"/>
+            <a:off x="558800" y="2736850"/>
             <a:ext cx="29464000" cy="768350"/>
           </a:xfrm>
           <a:prstGeom prst="rect">
@@ -4748,7 +5029,7 @@
           </a:extLst>
         </p:spPr>
         <p:txBody>
-          <a:bodyPr lIns="419070" tIns="45267" rIns="419070" bIns="45267">
+          <a:bodyPr wrap="square" lIns="419070" tIns="45267" rIns="419070" bIns="45267">
             <a:spAutoFit/>
           </a:bodyPr>
           <a:lstStyle>
@@ -4853,56 +5134,20 @@
             <a:r>
               <a:rPr lang="en-US" altLang="en-US" sz="4400" b="0" dirty="0">
                 <a:solidFill>
-                  <a:schemeClr val="accent6"/>
+                  <a:schemeClr val="accent2"/>
                 </a:solidFill>
                 <a:latin typeface="Times New Roman" panose="02020603050405020304" pitchFamily="18" charset="0"/>
               </a:rPr>
               <a:t>Caleb Henning, </a:t>
             </a:r>
             <a:r>
-              <a:rPr lang="en-US" altLang="en-US" sz="4400" b="0" dirty="0" err="1">
-                <a:solidFill>
-                  <a:schemeClr val="accent6"/>
+              <a:rPr lang="en-US" altLang="en-US" sz="3600" b="0" dirty="0">
+                <a:solidFill>
+                  <a:schemeClr val="tx1"/>
                 </a:solidFill>
                 <a:latin typeface="Times New Roman" panose="02020603050405020304" pitchFamily="18" charset="0"/>
               </a:rPr>
-              <a:t>Balazs</a:t>
-            </a:r>
-            <a:r>
-              <a:rPr lang="en-US" altLang="en-US" sz="4400" b="0" dirty="0">
-                <a:solidFill>
-                  <a:schemeClr val="accent6"/>
-                </a:solidFill>
-                <a:latin typeface="Times New Roman" panose="02020603050405020304" pitchFamily="18" charset="0"/>
-              </a:rPr>
-              <a:t> </a:t>
-            </a:r>
-            <a:r>
-              <a:rPr lang="en-US" altLang="en-US" sz="4400" b="0" dirty="0" err="1">
-                <a:solidFill>
-                  <a:schemeClr val="accent6"/>
-                </a:solidFill>
-                <a:latin typeface="Times New Roman" panose="02020603050405020304" pitchFamily="18" charset="0"/>
-              </a:rPr>
-              <a:t>Zelity</a:t>
-            </a:r>
-            <a:r>
-              <a:rPr lang="en-US" altLang="en-US" sz="4400" b="0" dirty="0">
-                <a:solidFill>
-                  <a:schemeClr val="accent2"/>
-                </a:solidFill>
-                <a:latin typeface="Times New Roman" panose="02020603050405020304" pitchFamily="18" charset="0"/>
-              </a:rPr>
-              <a:t>, </a:t>
-            </a:r>
-            <a:r>
-              <a:rPr lang="en-US" altLang="en-US" sz="3600" b="0" dirty="0">
-                <a:solidFill>
-                  <a:schemeClr val="tx1"/>
-                </a:solidFill>
-                <a:latin typeface="Times New Roman" panose="02020603050405020304" pitchFamily="18" charset="0"/>
-              </a:rPr>
-              <a:t>Wesleyan University Economics Department, Quantitative Apprenticeship 2022</a:t>
+              <a:t>Wesleyan University Quantitative Analysis Center, Senior Capstone Project 2025</a:t>
             </a:r>
           </a:p>
         </p:txBody>
@@ -4923,8 +5168,8 @@
         </p:nvSpPr>
         <p:spPr bwMode="auto">
           <a:xfrm>
-            <a:off x="914400" y="3886200"/>
-            <a:ext cx="11015663" cy="6351850"/>
+            <a:off x="962027" y="4648200"/>
+            <a:ext cx="10413247" cy="7826613"/>
           </a:xfrm>
           <a:prstGeom prst="rect">
             <a:avLst/>
@@ -4955,7 +5200,7 @@
           </a:extLst>
         </p:spPr>
         <p:txBody>
-          <a:bodyPr lIns="0" tIns="45267" rIns="0" bIns="45267">
+          <a:bodyPr wrap="square" lIns="0" tIns="45267" rIns="0" bIns="45267">
             <a:spAutoFit/>
           </a:bodyPr>
           <a:lstStyle>
@@ -5083,22 +5328,6 @@
               </a:defRPr>
             </a:lvl9pPr>
           </a:lstStyle>
-          <a:p>
-            <a:r>
-              <a:rPr lang="en-US" altLang="en-US" sz="4400" b="0" dirty="0">
-                <a:solidFill>
-                  <a:srgbClr val="6DB1FF"/>
-                </a:solidFill>
-                <a:latin typeface="Gill Sans" panose="020B0502020104020203" pitchFamily="34" charset="-79"/>
-              </a:rPr>
-              <a:t>INTRODUCTION</a:t>
-            </a:r>
-            <a:endParaRPr lang="en-US" altLang="en-US" sz="4400" dirty="0">
-              <a:solidFill>
-                <a:srgbClr val="6DB1FF"/>
-              </a:solidFill>
-            </a:endParaRPr>
-          </a:p>
           <a:p>
             <a:pPr>
               <a:lnSpc>
@@ -5123,374 +5352,27 @@
                 </a:solidFill>
                 <a:latin typeface="Times New Roman" panose="02020603050405020304" pitchFamily="18" charset="0"/>
               </a:rPr>
-              <a:t>It has been hypothesized that seasonal variables such as SAD (Lin, 2015; Lo &amp; Wu, 2018) and temperature (Liu et al., 2021) have a negative impact on the economy during the winter months, especially regarding investment behavior. Additionally, some research has been done on the relationship between length of daylight and consumer confidence in Japan (</a:t>
-            </a:r>
-            <a:r>
-              <a:rPr lang="en-US" altLang="en-US" sz="3200" b="0" dirty="0" err="1">
+              <a:t>Post-incarceration, many individuals struggle to successfully reintegrate in their communities and end up recidivating. Pre-assessed risk levels and criminal thinking measures have had success in identifying those at risk of recidivating (Frisch-Scott &amp; Nakamura, 2022; Walters, 2016); Black men are often the most likely to fail probation and recidivate (Steinmetz &amp; Henderson, 2016). </a:t>
+            </a:r>
+          </a:p>
+          <a:p>
+            <a:pPr>
+              <a:lnSpc>
+                <a:spcPct val="110000"/>
+              </a:lnSpc>
+              <a:spcBef>
+                <a:spcPct val="25000"/>
+              </a:spcBef>
+            </a:pPr>
+            <a:r>
+              <a:rPr lang="en-US" altLang="en-US" sz="3200" b="0" dirty="0">
                 <a:solidFill>
                   <a:schemeClr val="tx1"/>
                 </a:solidFill>
                 <a:latin typeface="Times New Roman" panose="02020603050405020304" pitchFamily="18" charset="0"/>
               </a:rPr>
-              <a:t>Sekizawa</a:t>
-            </a:r>
-            <a:r>
-              <a:rPr lang="en-US" altLang="en-US" sz="3200" b="0" dirty="0">
-                <a:solidFill>
-                  <a:schemeClr val="tx1"/>
-                </a:solidFill>
-                <a:latin typeface="Times New Roman" panose="02020603050405020304" pitchFamily="18" charset="0"/>
-              </a:rPr>
-              <a:t> &amp; </a:t>
-            </a:r>
-            <a:r>
-              <a:rPr lang="en-US" altLang="en-US" sz="3200" b="0" dirty="0" err="1">
-                <a:solidFill>
-                  <a:schemeClr val="tx1"/>
-                </a:solidFill>
-                <a:latin typeface="Times New Roman" panose="02020603050405020304" pitchFamily="18" charset="0"/>
-              </a:rPr>
-              <a:t>Konishi</a:t>
-            </a:r>
-            <a:r>
-              <a:rPr lang="en-US" altLang="en-US" sz="3200" b="0" dirty="0">
-                <a:solidFill>
-                  <a:schemeClr val="tx1"/>
-                </a:solidFill>
-                <a:latin typeface="Times New Roman" panose="02020603050405020304" pitchFamily="18" charset="0"/>
-              </a:rPr>
-              <a:t>, 2021). This research aims to extend the investigation into the relationship between SAD—measured indirectly through the seasonal variables of sunlight duration, solar elevation, and sun declination—and consumer confidence in 24 countries worldwide. </a:t>
-            </a:r>
-            <a:endParaRPr lang="en-US" altLang="en-US" sz="2400" b="0" dirty="0">
-              <a:solidFill>
-                <a:schemeClr val="tx1"/>
-              </a:solidFill>
-              <a:latin typeface="ArialMS" charset="0"/>
-            </a:endParaRPr>
-          </a:p>
-        </p:txBody>
-      </p:sp>
-      <p:sp>
-        <p:nvSpPr>
-          <p:cNvPr id="2055" name="Text Box 238">
-            <a:extLst>
-              <a:ext uri="{FF2B5EF4-FFF2-40B4-BE49-F238E27FC236}">
-                <a16:creationId xmlns:a16="http://schemas.microsoft.com/office/drawing/2014/main" id="{8708357D-4D71-0906-250C-045525C20370}"/>
-              </a:ext>
-            </a:extLst>
-          </p:cNvPr>
-          <p:cNvSpPr txBox="1">
-            <a:spLocks noChangeArrowheads="1"/>
-          </p:cNvSpPr>
-          <p:nvPr/>
-        </p:nvSpPr>
-        <p:spPr bwMode="auto">
-          <a:xfrm>
-            <a:off x="914400" y="27813000"/>
-            <a:ext cx="10744200" cy="5247133"/>
-          </a:xfrm>
-          <a:prstGeom prst="rect">
-            <a:avLst/>
-          </a:prstGeom>
-          <a:noFill/>
-          <a:ln>
-            <a:noFill/>
-          </a:ln>
-          <a:extLst>
-            <a:ext uri="{909E8E84-426E-40DD-AFC4-6F175D3DCCD1}">
-              <a14:hiddenFill xmlns:a14="http://schemas.microsoft.com/office/drawing/2010/main">
-                <a:solidFill>
-                  <a:srgbClr val="FFFFFF"/>
-                </a:solidFill>
-              </a14:hiddenFill>
-            </a:ext>
-            <a:ext uri="{91240B29-F687-4F45-9708-019B960494DF}">
-              <a14:hiddenLine xmlns:a14="http://schemas.microsoft.com/office/drawing/2010/main" w="9525">
-                <a:solidFill>
-                  <a:srgbClr val="000000"/>
-                </a:solidFill>
-                <a:miter lim="800000"/>
-                <a:headEnd/>
-                <a:tailEnd/>
-              </a14:hiddenLine>
-            </a:ext>
-          </a:extLst>
-        </p:spPr>
-        <p:txBody>
-          <a:bodyPr lIns="0" tIns="45267" rIns="0" bIns="457200">
-            <a:spAutoFit/>
-          </a:bodyPr>
-          <a:lstStyle>
-            <a:lvl1pPr marL="877888" indent="-877888" defTabSz="908050">
-              <a:defRPr sz="4000" b="1">
-                <a:solidFill>
-                  <a:srgbClr val="003399"/>
-                </a:solidFill>
-                <a:latin typeface="Arial" panose="020B0604020202020204" pitchFamily="34" charset="0"/>
-              </a:defRPr>
-            </a:lvl1pPr>
-            <a:lvl2pPr marL="742950" indent="-285750" defTabSz="908050">
-              <a:defRPr sz="4000" b="1">
-                <a:solidFill>
-                  <a:srgbClr val="003399"/>
-                </a:solidFill>
-                <a:latin typeface="Arial" panose="020B0604020202020204" pitchFamily="34" charset="0"/>
-              </a:defRPr>
-            </a:lvl2pPr>
-            <a:lvl3pPr marL="1143000" indent="-228600" defTabSz="908050">
-              <a:defRPr sz="4000" b="1">
-                <a:solidFill>
-                  <a:srgbClr val="003399"/>
-                </a:solidFill>
-                <a:latin typeface="Arial" panose="020B0604020202020204" pitchFamily="34" charset="0"/>
-              </a:defRPr>
-            </a:lvl3pPr>
-            <a:lvl4pPr marL="1600200" indent="-228600" defTabSz="908050">
-              <a:defRPr sz="4000" b="1">
-                <a:solidFill>
-                  <a:srgbClr val="003399"/>
-                </a:solidFill>
-                <a:latin typeface="Arial" panose="020B0604020202020204" pitchFamily="34" charset="0"/>
-              </a:defRPr>
-            </a:lvl4pPr>
-            <a:lvl5pPr marL="2057400" indent="-228600" defTabSz="908050">
-              <a:defRPr sz="4000" b="1">
-                <a:solidFill>
-                  <a:srgbClr val="003399"/>
-                </a:solidFill>
-                <a:latin typeface="Arial" panose="020B0604020202020204" pitchFamily="34" charset="0"/>
-              </a:defRPr>
-            </a:lvl5pPr>
-            <a:lvl6pPr marL="2514600" indent="-228600" defTabSz="908050" eaLnBrk="0" fontAlgn="base" hangingPunct="0">
-              <a:spcBef>
-                <a:spcPct val="0"/>
-              </a:spcBef>
-              <a:spcAft>
-                <a:spcPct val="0"/>
-              </a:spcAft>
-              <a:defRPr sz="4000" b="1">
-                <a:solidFill>
-                  <a:srgbClr val="003399"/>
-                </a:solidFill>
-                <a:latin typeface="Arial" panose="020B0604020202020204" pitchFamily="34" charset="0"/>
-              </a:defRPr>
-            </a:lvl6pPr>
-            <a:lvl7pPr marL="2971800" indent="-228600" defTabSz="908050" eaLnBrk="0" fontAlgn="base" hangingPunct="0">
-              <a:spcBef>
-                <a:spcPct val="0"/>
-              </a:spcBef>
-              <a:spcAft>
-                <a:spcPct val="0"/>
-              </a:spcAft>
-              <a:defRPr sz="4000" b="1">
-                <a:solidFill>
-                  <a:srgbClr val="003399"/>
-                </a:solidFill>
-                <a:latin typeface="Arial" panose="020B0604020202020204" pitchFamily="34" charset="0"/>
-              </a:defRPr>
-            </a:lvl7pPr>
-            <a:lvl8pPr marL="3429000" indent="-228600" defTabSz="908050" eaLnBrk="0" fontAlgn="base" hangingPunct="0">
-              <a:spcBef>
-                <a:spcPct val="0"/>
-              </a:spcBef>
-              <a:spcAft>
-                <a:spcPct val="0"/>
-              </a:spcAft>
-              <a:defRPr sz="4000" b="1">
-                <a:solidFill>
-                  <a:srgbClr val="003399"/>
-                </a:solidFill>
-                <a:latin typeface="Arial" panose="020B0604020202020204" pitchFamily="34" charset="0"/>
-              </a:defRPr>
-            </a:lvl8pPr>
-            <a:lvl9pPr marL="3886200" indent="-228600" defTabSz="908050" eaLnBrk="0" fontAlgn="base" hangingPunct="0">
-              <a:spcBef>
-                <a:spcPct val="0"/>
-              </a:spcBef>
-              <a:spcAft>
-                <a:spcPct val="0"/>
-              </a:spcAft>
-              <a:defRPr sz="4000" b="1">
-                <a:solidFill>
-                  <a:srgbClr val="003399"/>
-                </a:solidFill>
-                <a:latin typeface="Arial" panose="020B0604020202020204" pitchFamily="34" charset="0"/>
-              </a:defRPr>
-            </a:lvl9pPr>
-          </a:lstStyle>
-          <a:p>
-            <a:r>
-              <a:rPr lang="en-US" altLang="en-US" sz="4400" b="0" dirty="0">
-                <a:solidFill>
-                  <a:srgbClr val="6DB1FF"/>
-                </a:solidFill>
-                <a:latin typeface="Gill Sans" panose="020B0502020104020203" pitchFamily="34" charset="-79"/>
-              </a:rPr>
-              <a:t>REFERENCES</a:t>
-            </a:r>
-            <a:r>
-              <a:rPr lang="en-US" altLang="en-US" sz="4400" b="0" dirty="0">
-                <a:solidFill>
-                  <a:srgbClr val="096640"/>
-                </a:solidFill>
-                <a:latin typeface="Gill Sans" panose="020B0502020104020203" pitchFamily="34" charset="-79"/>
-              </a:rPr>
-              <a:t> </a:t>
-            </a:r>
-            <a:endParaRPr lang="en-US" altLang="en-US" sz="3600" dirty="0">
-              <a:solidFill>
-                <a:srgbClr val="000066"/>
-              </a:solidFill>
-            </a:endParaRPr>
-          </a:p>
-          <a:p>
-            <a:r>
-              <a:rPr lang="en-US" altLang="en-US" sz="2200" b="0" dirty="0">
-                <a:solidFill>
-                  <a:schemeClr val="tx1"/>
-                </a:solidFill>
-                <a:latin typeface="Times New Roman" panose="02020603050405020304" pitchFamily="18" charset="0"/>
-              </a:rPr>
-              <a:t>Lin, M.-C. (2015). Seasonal affective disorder and investors’ response to earnings news—ScienceDirect. International Review of Financial Analysis, 42, 211–221. https://</a:t>
-            </a:r>
-            <a:r>
-              <a:rPr lang="en-US" altLang="en-US" sz="2200" b="0" dirty="0" err="1">
-                <a:solidFill>
-                  <a:schemeClr val="tx1"/>
-                </a:solidFill>
-                <a:latin typeface="Times New Roman" panose="02020603050405020304" pitchFamily="18" charset="0"/>
-              </a:rPr>
-              <a:t>doi.org</a:t>
-            </a:r>
-            <a:r>
-              <a:rPr lang="en-US" altLang="en-US" sz="2200" b="0" dirty="0">
-                <a:solidFill>
-                  <a:schemeClr val="tx1"/>
-                </a:solidFill>
-                <a:latin typeface="Times New Roman" panose="02020603050405020304" pitchFamily="18" charset="0"/>
-              </a:rPr>
-              <a:t>/10.1016/j.irfa.2015.07.003</a:t>
-            </a:r>
-          </a:p>
-          <a:p>
-            <a:r>
-              <a:rPr lang="en-US" altLang="en-US" sz="2200" b="0" dirty="0">
-                <a:solidFill>
-                  <a:schemeClr val="tx1"/>
-                </a:solidFill>
-                <a:latin typeface="Times New Roman" panose="02020603050405020304" pitchFamily="18" charset="0"/>
-              </a:rPr>
-              <a:t>Liu, H., Zhang, W., Zhang, X., &amp; Liu, J. (2021). Temperature and trading </a:t>
-            </a:r>
-            <a:r>
-              <a:rPr lang="en-US" altLang="en-US" sz="2200" b="0" dirty="0" err="1">
-                <a:solidFill>
-                  <a:schemeClr val="tx1"/>
-                </a:solidFill>
-                <a:latin typeface="Times New Roman" panose="02020603050405020304" pitchFamily="18" charset="0"/>
-              </a:rPr>
-              <a:t>behaviours</a:t>
-            </a:r>
-            <a:r>
-              <a:rPr lang="en-US" altLang="en-US" sz="2200" b="0" dirty="0">
-                <a:solidFill>
-                  <a:schemeClr val="tx1"/>
-                </a:solidFill>
-                <a:latin typeface="Times New Roman" panose="02020603050405020304" pitchFamily="18" charset="0"/>
-              </a:rPr>
-              <a:t>. International Review of Financial Analysis, 78, 101890. https://</a:t>
-            </a:r>
-            <a:r>
-              <a:rPr lang="en-US" altLang="en-US" sz="2200" b="0" dirty="0" err="1">
-                <a:solidFill>
-                  <a:schemeClr val="tx1"/>
-                </a:solidFill>
-                <a:latin typeface="Times New Roman" panose="02020603050405020304" pitchFamily="18" charset="0"/>
-              </a:rPr>
-              <a:t>doi.org</a:t>
-            </a:r>
-            <a:r>
-              <a:rPr lang="en-US" altLang="en-US" sz="2200" b="0" dirty="0">
-                <a:solidFill>
-                  <a:schemeClr val="tx1"/>
-                </a:solidFill>
-                <a:latin typeface="Times New Roman" panose="02020603050405020304" pitchFamily="18" charset="0"/>
-              </a:rPr>
-              <a:t>/10.1016/j.irfa.2021.101890</a:t>
-            </a:r>
-          </a:p>
-          <a:p>
-            <a:r>
-              <a:rPr lang="en-US" altLang="en-US" sz="2200" b="0" dirty="0">
-                <a:solidFill>
-                  <a:schemeClr val="tx1"/>
-                </a:solidFill>
-                <a:latin typeface="Times New Roman" panose="02020603050405020304" pitchFamily="18" charset="0"/>
-              </a:rPr>
-              <a:t>Lo, K., &amp; Wu, S. S. (2018). The Impact of Seasonal Affective Disorder on Financial Analysts. The Accounting Review, 93(4), 309–333.</a:t>
-            </a:r>
-          </a:p>
-          <a:p>
-            <a:r>
-              <a:rPr lang="en-US" altLang="en-US" sz="2200" b="0" dirty="0" err="1">
-                <a:solidFill>
-                  <a:schemeClr val="tx1"/>
-                </a:solidFill>
-                <a:latin typeface="Times New Roman" panose="02020603050405020304" pitchFamily="18" charset="0"/>
-              </a:rPr>
-              <a:t>Sekizawa</a:t>
-            </a:r>
-            <a:r>
-              <a:rPr lang="en-US" altLang="en-US" sz="2200" b="0" dirty="0">
-                <a:solidFill>
-                  <a:schemeClr val="tx1"/>
-                </a:solidFill>
-                <a:latin typeface="Times New Roman" panose="02020603050405020304" pitchFamily="18" charset="0"/>
-              </a:rPr>
-              <a:t>, Y., &amp; </a:t>
-            </a:r>
-            <a:r>
-              <a:rPr lang="en-US" altLang="en-US" sz="2200" b="0" dirty="0" err="1">
-                <a:solidFill>
-                  <a:schemeClr val="tx1"/>
-                </a:solidFill>
-                <a:latin typeface="Times New Roman" panose="02020603050405020304" pitchFamily="18" charset="0"/>
-              </a:rPr>
-              <a:t>Konishi</a:t>
-            </a:r>
-            <a:r>
-              <a:rPr lang="en-US" altLang="en-US" sz="2200" b="0" dirty="0">
-                <a:solidFill>
-                  <a:schemeClr val="tx1"/>
-                </a:solidFill>
-                <a:latin typeface="Times New Roman" panose="02020603050405020304" pitchFamily="18" charset="0"/>
-              </a:rPr>
-              <a:t>, Y. (2021). Are consumer confidence and asset value expectations positively associated with length of daylight?: An exploration of psychological mediators between length of daylight and seasonal asset price transitions. PLOS ONE, 16(1). https://</a:t>
-            </a:r>
-            <a:r>
-              <a:rPr lang="en-US" altLang="en-US" sz="2200" b="0" dirty="0" err="1">
-                <a:solidFill>
-                  <a:schemeClr val="tx1"/>
-                </a:solidFill>
-                <a:latin typeface="Times New Roman" panose="02020603050405020304" pitchFamily="18" charset="0"/>
-              </a:rPr>
-              <a:t>doi.org</a:t>
-            </a:r>
-            <a:r>
-              <a:rPr lang="en-US" altLang="en-US" sz="2200" b="0" dirty="0">
-                <a:solidFill>
-                  <a:schemeClr val="tx1"/>
-                </a:solidFill>
-                <a:latin typeface="Times New Roman" panose="02020603050405020304" pitchFamily="18" charset="0"/>
-              </a:rPr>
-              <a:t>/10.1371/journal.pone.0245520</a:t>
-            </a:r>
-            <a:endParaRPr lang="en-US" altLang="en-US" sz="2200" b="0" dirty="0">
-              <a:solidFill>
-                <a:schemeClr val="tx1"/>
-              </a:solidFill>
-              <a:latin typeface="ArialMT" charset="0"/>
-            </a:endParaRPr>
+              <a:t>	This capstone aims to build on the literature by investigating the relationship between pre-assessed risk levels, criminal thinking profiles, demographic variables, and post-incarceration outcomes for individuals participating in community justice programs. My research specifically focuses on how these relationships differ at five of these programs across Connecticut. </a:t>
+            </a:r>
           </a:p>
         </p:txBody>
       </p:sp>
@@ -5510,8 +5392,8 @@
         </p:nvSpPr>
         <p:spPr bwMode="auto">
           <a:xfrm>
-            <a:off x="896938" y="19659600"/>
-            <a:ext cx="10990262" cy="7979107"/>
+            <a:off x="896938" y="19202400"/>
+            <a:ext cx="10413247" cy="13157448"/>
           </a:xfrm>
           <a:prstGeom prst="rect">
             <a:avLst/>
@@ -5541,7 +5423,7 @@
           </a:extLst>
         </p:spPr>
         <p:txBody>
-          <a:bodyPr lIns="0" tIns="0" rIns="0" bIns="0">
+          <a:bodyPr wrap="square" lIns="0" tIns="0" rIns="0" bIns="0">
             <a:spAutoFit/>
           </a:bodyPr>
           <a:lstStyle>
@@ -5676,20 +5558,17 @@
               <a:buNone/>
             </a:pPr>
             <a:r>
-              <a:rPr lang="en-US" altLang="en-US" sz="4400" b="0" dirty="0">
-                <a:solidFill>
-                  <a:srgbClr val="6DB1FF"/>
-                </a:solidFill>
-                <a:latin typeface="Gill Sans" panose="020B0502020104020203" pitchFamily="34" charset="-79"/>
+              <a:rPr lang="en-US" altLang="en-US" sz="6000" dirty="0">
+                <a:solidFill>
+                  <a:schemeClr val="accent6">
+                    <a:lumMod val="50000"/>
+                  </a:schemeClr>
+                </a:solidFill>
+                <a:latin typeface="Cambria" panose="02040503050406030204" pitchFamily="18" charset="0"/>
+                <a:ea typeface="Cambria" panose="02040503050406030204" pitchFamily="18" charset="0"/>
               </a:rPr>
-              <a:t>METHODS</a:t>
-            </a:r>
-            <a:endParaRPr lang="en-US" altLang="en-US" sz="4400" dirty="0">
-              <a:solidFill>
-                <a:srgbClr val="6DB1FF"/>
-              </a:solidFill>
-              <a:latin typeface="Helvetica Neue Light" panose="02000403000000020004" pitchFamily="2" charset="0"/>
-            </a:endParaRPr>
+              <a:t>Methods</a:t>
+            </a:r>
           </a:p>
           <a:p>
             <a:pPr>
@@ -5704,7 +5583,7 @@
                 </a:solidFill>
                 <a:latin typeface="Times New Roman" panose="02020603050405020304" pitchFamily="18" charset="0"/>
               </a:rPr>
-              <a:t>	</a:t>
+              <a:t>	The dataset used for this project included information from eight different datasets, all combined to include 1340 observations of 72 variables, with 1129 unique participants in the final dataset. The main variables of interest are </a:t>
             </a:r>
             <a:r>
               <a:rPr lang="en-US" altLang="en-US" sz="3200" b="0" dirty="0">
@@ -5713,26 +5592,14 @@
                 </a:solidFill>
                 <a:latin typeface="Times New Roman" panose="02020603050405020304" pitchFamily="18" charset="0"/>
               </a:rPr>
-              <a:t>The seasonal variables of sunlight duration, solar elevation, and sun declination were calculated using the NOAA’s solar data formulas. Each variable was calculated using the 15</a:t>
-            </a:r>
-            <a:r>
-              <a:rPr lang="en-US" altLang="en-US" sz="3200" b="0" baseline="30000" dirty="0">
-                <a:solidFill>
-                  <a:schemeClr val="tx1"/>
-                </a:solidFill>
-                <a:latin typeface="Times New Roman" panose="02020603050405020304" pitchFamily="18" charset="0"/>
-              </a:rPr>
-              <a:t>th</a:t>
-            </a:r>
-            <a:r>
-              <a:rPr lang="en-US" altLang="en-US" sz="3200" b="0" dirty="0">
-                <a:solidFill>
-                  <a:schemeClr val="tx1"/>
-                </a:solidFill>
-                <a:latin typeface="Times New Roman" panose="02020603050405020304" pitchFamily="18" charset="0"/>
-              </a:rPr>
-              <a:t> of the month at 12 p.m. as well as each country’s centroid coordinates.</a:t>
-            </a:r>
+              <a:t>risk level (low, moderate, high), length of stay (in days), criminal thinking profile measures (0–99, higher values correspond to personality traits associated with crime), and outcomes (successful vs. unsuccessful). Program 1 is residential transitional housing, 2 is scattered site supportive housing, 3 and 4 are residential work release programs, and 5 provides residential treatment for sex offenders. </a:t>
+            </a:r>
+            <a:endParaRPr lang="en-US" altLang="en-US" sz="3400" b="0" dirty="0">
+              <a:solidFill>
+                <a:schemeClr val="tx1"/>
+              </a:solidFill>
+              <a:latin typeface="Times New Roman" panose="02020603050405020304" pitchFamily="18" charset="0"/>
+            </a:endParaRPr>
           </a:p>
           <a:p>
             <a:pPr>
@@ -5741,21 +5608,14 @@
               </a:spcBef>
             </a:pPr>
             <a:r>
-              <a:rPr lang="en-US" altLang="en-US" sz="3200" b="0" dirty="0">
+              <a:rPr lang="en-US" altLang="en-US" sz="3400" b="0" dirty="0">
                 <a:solidFill>
                   <a:schemeClr val="tx1"/>
                 </a:solidFill>
                 <a:latin typeface="Times New Roman" panose="02020603050405020304" pitchFamily="18" charset="0"/>
               </a:rPr>
-              <a:t>	Monthly consumer confidence indices were taken from Ipsos data and the OECD consumer and business confidence indices from March 2010 to January 2022. Ipsos data included five different consumer confidence measures that evaluated consumers’ perceptions of their local economy. </a:t>
-            </a:r>
-          </a:p>
-          <a:p>
-            <a:pPr>
-              <a:spcBef>
-                <a:spcPct val="25000"/>
-              </a:spcBef>
-            </a:pPr>
+              <a:t>	</a:t>
+            </a:r>
             <a:r>
               <a:rPr lang="en-US" altLang="en-US" sz="3200" b="0" dirty="0">
                 <a:solidFill>
@@ -5763,7 +5623,7 @@
                 </a:solidFill>
                 <a:latin typeface="Times New Roman" panose="02020603050405020304" pitchFamily="18" charset="0"/>
               </a:rPr>
-              <a:t>	Fixed effects regressions were run on combinations of each seasonal variable and consumer confidence index, controlling for collinearity in seasonal variables. Control variables of GDP growth rate, unemployment rate, and annual change in CPI were also included in the regression models. </a:t>
+              <a:t>Two main methods were used to analyze the data: 1) logistic regressions with clustered standard errors, and 2) machine learning models focusing on feature selection. Logistic regressions relied on clustered standard errors because participants could move from program to program, or reenter any of the programs, leading to specific participants having multiple rows of data. Feature selection methods such as lasso, random forest, gradient boosting, and stepwise regressions were run to identify the most important explanatory variables. All models initially included the explanatory variables risk level, age, race, program, eight criminal thinking measures, and suicide risk. Logistic regressions control for all these factors and additionally homicide risk.</a:t>
             </a:r>
           </a:p>
         </p:txBody>
@@ -5784,8 +5644,8 @@
         </p:nvSpPr>
         <p:spPr bwMode="auto">
           <a:xfrm>
-            <a:off x="13004800" y="11734800"/>
-            <a:ext cx="10769600" cy="12396582"/>
+            <a:off x="12638834" y="10591800"/>
+            <a:ext cx="10930802" cy="14858794"/>
           </a:xfrm>
           <a:prstGeom prst="rect">
             <a:avLst/>
@@ -5815,7 +5675,7 @@
           </a:extLst>
         </p:spPr>
         <p:txBody>
-          <a:bodyPr lIns="0" tIns="45267" rIns="0" bIns="45267">
+          <a:bodyPr wrap="square" lIns="0" tIns="45267" rIns="0" bIns="45267">
             <a:spAutoFit/>
           </a:bodyPr>
           <a:lstStyle>
@@ -5950,19 +5810,17 @@
               </a:lnSpc>
             </a:pPr>
             <a:r>
-              <a:rPr lang="en-US" altLang="en-US" sz="4400" b="0" dirty="0">
-                <a:solidFill>
-                  <a:srgbClr val="6DB1FF"/>
-                </a:solidFill>
-                <a:latin typeface="Gill Sans" panose="020B0502020104020203" pitchFamily="34" charset="-79"/>
+              <a:rPr lang="en-US" altLang="en-US" sz="6000" dirty="0">
+                <a:solidFill>
+                  <a:schemeClr val="accent6">
+                    <a:lumMod val="50000"/>
+                  </a:schemeClr>
+                </a:solidFill>
+                <a:latin typeface="Cambria" panose="02040503050406030204" pitchFamily="18" charset="0"/>
+                <a:ea typeface="Cambria" panose="02040503050406030204" pitchFamily="18" charset="0"/>
               </a:rPr>
-              <a:t>VISUALIZATIONS</a:t>
-            </a:r>
-            <a:endParaRPr lang="en-US" altLang="en-US" sz="4400" dirty="0">
-              <a:solidFill>
-                <a:srgbClr val="6DB1FF"/>
-              </a:solidFill>
-            </a:endParaRPr>
+              <a:t>Visualizations</a:t>
+            </a:r>
           </a:p>
           <a:p>
             <a:pPr>
@@ -5997,7 +5855,7 @@
                 </a:solidFill>
                 <a:latin typeface="Times New Roman" panose="02020603050405020304" pitchFamily="18" charset="0"/>
               </a:rPr>
-              <a:t>This heatmap displays the average change in investment confidence by month for each of the countries in the dataset. It shows a decline in consumer confidence in their personal investments during the winter months, especially in the Northern Hemisphere. </a:t>
+              <a:t>This bar graph displays the proportion of successful outcomes for participants across programs and risk levels. Overall, participants are less likely to succeed as their risk level increases (with an exception in Program 5 because of its small sample size). Participants in Program 2 are especially unsuccessful, with a 25% success rate for high-risk individuals. </a:t>
             </a:r>
           </a:p>
           <a:p>
@@ -6034,7 +5892,7 @@
                 </a:solidFill>
                 <a:latin typeface="Times New Roman" panose="02020603050405020304" pitchFamily="18" charset="0"/>
               </a:rPr>
-              <a:t>This time-series graph displays the percentage change in investment confidence over time. There is a clear drop in confidence at the start of the COVID-19 pandemic and some evidence of cyclical changes in confidence that correspond with seasonal cycles. Latitude categories represent aggregated values for countries that share similar centroids and similar seasons. </a:t>
+              <a:t>These boxplots shows the results for 10-fold cross-validation for all five machine learning methods used on the dataset. ROC represents how well the model can distinguish between successful and unsuccessful outcomes, with a ROC of 0.5 indicating that the model is no better than random chance. Sensitivity refers to the rate of true positives and specificity refers to the rate of true negatives identified by the model.</a:t>
             </a:r>
           </a:p>
           <a:p>
@@ -6071,7 +5929,7 @@
                 </a:solidFill>
                 <a:latin typeface="Times New Roman" panose="02020603050405020304" pitchFamily="18" charset="0"/>
               </a:rPr>
-              <a:t>This heatmap displays the average change in job confidence by month for each of the countries in the dataset. It shows an increase in confidence in the job market during the summer months, especially in the Northern Hemisphere. </a:t>
+              <a:t>This alluvial graph displays how many participants change living arrangements from admission to discharge. Participants in Programs 5, 1, and 3 have the highest fraction of participants in independent residences at discharge.</a:t>
             </a:r>
             <a:endParaRPr lang="en-US" altLang="en-US" sz="3200" dirty="0">
               <a:solidFill>
@@ -6105,7 +5963,7 @@
                 </a:solidFill>
                 <a:latin typeface="Times New Roman" panose="02020603050405020304" pitchFamily="18" charset="0"/>
               </a:rPr>
-              <a:t>Table 1. </a:t>
+              <a:t>Figure 4. </a:t>
             </a:r>
             <a:r>
               <a:rPr lang="en-US" altLang="en-US" sz="3200" b="0" dirty="0">
@@ -6114,7 +5972,7 @@
                 </a:solidFill>
                 <a:latin typeface="Times New Roman" panose="02020603050405020304" pitchFamily="18" charset="0"/>
               </a:rPr>
-              <a:t>This table shows three of the most significant fixed effects regressions that were run. Control variables included GDP growth rate, unemployment rate, and annual CPI percentage change. </a:t>
+              <a:t>This bar graph shows the most important variables identified by the gradient boosting model. This model was only run on Programs 2, 3, and 4, which had the lowest overall success rates out of all the programs. Interestingly, these programs are also the work release programs, which provide participants with the least oversight and highest levels of freedom. </a:t>
             </a:r>
           </a:p>
           <a:p>
@@ -6160,8 +6018,8 @@
         </p:nvSpPr>
         <p:spPr bwMode="auto">
           <a:xfrm>
-            <a:off x="25044400" y="14882813"/>
-            <a:ext cx="10439400" cy="15495635"/>
+            <a:off x="25036168" y="3964922"/>
+            <a:ext cx="10523831" cy="18250235"/>
           </a:xfrm>
           <a:prstGeom prst="rect">
             <a:avLst/>
@@ -6191,7 +6049,7 @@
           </a:extLst>
         </p:spPr>
         <p:txBody>
-          <a:bodyPr lIns="0" tIns="45267" rIns="0" bIns="45267">
+          <a:bodyPr wrap="square" lIns="0" tIns="45267" rIns="0" bIns="45267">
             <a:spAutoFit/>
           </a:bodyPr>
           <a:lstStyle>
@@ -6321,19 +6179,26 @@
           </a:lstStyle>
           <a:p>
             <a:r>
-              <a:rPr lang="en-US" altLang="en-US" sz="4400" b="0" dirty="0">
-                <a:solidFill>
-                  <a:srgbClr val="6DB1FF"/>
-                </a:solidFill>
-                <a:latin typeface="Gill Sans" panose="020B0502020104020203" pitchFamily="34" charset="-79"/>
+              <a:rPr lang="en-US" altLang="en-US" sz="6000" dirty="0">
+                <a:solidFill>
+                  <a:schemeClr val="accent6">
+                    <a:lumMod val="50000"/>
+                  </a:schemeClr>
+                </a:solidFill>
+                <a:latin typeface="Cambria" panose="02040503050406030204" pitchFamily="18" charset="0"/>
+                <a:ea typeface="Cambria" panose="02040503050406030204" pitchFamily="18" charset="0"/>
               </a:rPr>
-              <a:t>DISCUSSION</a:t>
-            </a:r>
-            <a:endParaRPr lang="en-US" altLang="en-US" sz="4400" dirty="0">
-              <a:solidFill>
-                <a:srgbClr val="6DB1FF"/>
-              </a:solidFill>
-            </a:endParaRPr>
+              <a:t>Results &amp; Discussion</a:t>
+            </a:r>
+            <a:r>
+              <a:rPr lang="en-US" altLang="en-US" sz="3200" b="0" dirty="0">
+                <a:solidFill>
+                  <a:schemeClr val="tx1"/>
+                </a:solidFill>
+                <a:latin typeface="Times New Roman" panose="02020603050405020304" pitchFamily="18" charset="0"/>
+              </a:rPr>
+              <a:t>	</a:t>
+            </a:r>
           </a:p>
           <a:p>
             <a:pPr>
@@ -6342,21 +6207,85 @@
               </a:spcBef>
             </a:pPr>
             <a:r>
-              <a:rPr lang="en-US" altLang="en-US" sz="3600" b="0" dirty="0">
-                <a:solidFill>
-                  <a:schemeClr val="tx1"/>
-                </a:solidFill>
-              </a:rPr>
-              <a:t>	 </a:t>
-            </a:r>
-            <a:r>
               <a:rPr lang="en-US" altLang="en-US" sz="3200" b="0" dirty="0">
                 <a:solidFill>
                   <a:schemeClr val="tx1"/>
                 </a:solidFill>
                 <a:latin typeface="Times New Roman" panose="02020603050405020304" pitchFamily="18" charset="0"/>
               </a:rPr>
-              <a:t>There is a significant negative relationship between consumer confidence and sunlight duration, as shown in Table 1. As the days become longer, consumers generally feel more confident in the economy, especially when looking at the percentage change in Expectations, Investment, and Jobs. Expectations looks at confidence in the future of their local economy and personal financial situation, Investment looks at confidence in personal investments and comfort with making purchases, and Jobs looks at perceptions of job security. Other variables that deal more with confidence in the current state of the economy do not have significant relationships with seasonal variables. Sunlight duration and solar elevation were the most significant predictors of percentage change in consumer confidence. </a:t>
+              <a:t>	Pre-assessed risk level was a consistently significant factor in regression analysis and participants with a high pre-assessed risk level were </a:t>
+            </a:r>
+            <a:r>
+              <a:rPr lang="en-US" altLang="en-US" sz="3200" dirty="0">
+                <a:solidFill>
+                  <a:schemeClr val="tx1"/>
+                </a:solidFill>
+                <a:latin typeface="Times New Roman" panose="02020603050405020304" pitchFamily="18" charset="0"/>
+              </a:rPr>
+              <a:t>59% less likely</a:t>
+            </a:r>
+            <a:r>
+              <a:rPr lang="en-US" altLang="en-US" sz="3200" b="0" dirty="0">
+                <a:solidFill>
+                  <a:schemeClr val="tx1"/>
+                </a:solidFill>
+                <a:latin typeface="Times New Roman" panose="02020603050405020304" pitchFamily="18" charset="0"/>
+              </a:rPr>
+              <a:t> to successfully leave community justice programs than those with a low pre-assessed risk level (z=-4.5, p &lt; 0.001). Each unit increase in justifying behavior </a:t>
+            </a:r>
+            <a:r>
+              <a:rPr lang="en-US" altLang="en-US" sz="3200" dirty="0">
+                <a:solidFill>
+                  <a:schemeClr val="tx1"/>
+                </a:solidFill>
+                <a:latin typeface="Times New Roman" panose="02020603050405020304" pitchFamily="18" charset="0"/>
+              </a:rPr>
+              <a:t>increased participants’ chances of success by 9% </a:t>
+            </a:r>
+            <a:r>
+              <a:rPr lang="en-US" altLang="en-US" sz="3200" b="0" dirty="0">
+                <a:solidFill>
+                  <a:schemeClr val="tx1"/>
+                </a:solidFill>
+                <a:latin typeface="Times New Roman" panose="02020603050405020304" pitchFamily="18" charset="0"/>
+              </a:rPr>
+              <a:t>(z=2.2, p = 0.02). Participants in Program 5 were </a:t>
+            </a:r>
+            <a:r>
+              <a:rPr lang="en-US" altLang="en-US" sz="3200" dirty="0">
+                <a:solidFill>
+                  <a:schemeClr val="tx1"/>
+                </a:solidFill>
+                <a:latin typeface="Times New Roman" panose="02020603050405020304" pitchFamily="18" charset="0"/>
+              </a:rPr>
+              <a:t>4 times as likely to succeed </a:t>
+            </a:r>
+            <a:r>
+              <a:rPr lang="en-US" altLang="en-US" sz="3200" b="0" dirty="0">
+                <a:solidFill>
+                  <a:schemeClr val="tx1"/>
+                </a:solidFill>
+                <a:latin typeface="Times New Roman" panose="02020603050405020304" pitchFamily="18" charset="0"/>
+              </a:rPr>
+              <a:t>(z=3.3, p &lt; 0.01), and those in Program 2 were </a:t>
+            </a:r>
+            <a:r>
+              <a:rPr lang="en-US" altLang="en-US" sz="3200" dirty="0">
+                <a:solidFill>
+                  <a:schemeClr val="tx1"/>
+                </a:solidFill>
+                <a:latin typeface="Times New Roman" panose="02020603050405020304" pitchFamily="18" charset="0"/>
+              </a:rPr>
+              <a:t>75% less likely</a:t>
+            </a:r>
+            <a:r>
+              <a:rPr lang="en-US" altLang="en-US" sz="3200" b="0" dirty="0">
+                <a:solidFill>
+                  <a:schemeClr val="tx1"/>
+                </a:solidFill>
+                <a:latin typeface="Times New Roman" panose="02020603050405020304" pitchFamily="18" charset="0"/>
+              </a:rPr>
+              <a:t> (z=-7.9, p &lt; 0.01), when compared to Program 1.</a:t>
             </a:r>
           </a:p>
           <a:p>
@@ -6372,16 +6301,16 @@
                 </a:solidFill>
                 <a:latin typeface="Times New Roman" panose="02020603050405020304" pitchFamily="18" charset="0"/>
               </a:rPr>
-              <a:t>	These results are consistent with findings from Japan that suggested that consumer confidence and asset value expectations peak in the summer months and drop in the winter months (</a:t>
-            </a:r>
-            <a:r>
-              <a:rPr lang="en-US" altLang="en-US" sz="3200" b="0" dirty="0" err="1">
+              <a:t>	This analysis was repeated on observations from only Programs 2, 3, and 4 (low-supervision programs) and found similar results. Participants in Programs 2, 3, and 4 with a high pre-assessed risk level were </a:t>
+            </a:r>
+            <a:r>
+              <a:rPr lang="en-US" altLang="en-US" sz="3200" dirty="0">
                 <a:solidFill>
                   <a:schemeClr val="tx1"/>
                 </a:solidFill>
                 <a:latin typeface="Times New Roman" panose="02020603050405020304" pitchFamily="18" charset="0"/>
               </a:rPr>
-              <a:t>Sekizawa</a:t>
+              <a:t>41% less likely</a:t>
             </a:r>
             <a:r>
               <a:rPr lang="en-US" altLang="en-US" sz="3200" b="0" dirty="0">
@@ -6390,16 +6319,16 @@
                 </a:solidFill>
                 <a:latin typeface="Times New Roman" panose="02020603050405020304" pitchFamily="18" charset="0"/>
               </a:rPr>
-              <a:t> &amp; </a:t>
-            </a:r>
-            <a:r>
-              <a:rPr lang="en-US" altLang="en-US" sz="3200" b="0" dirty="0" err="1">
+              <a:t> to successfully leave community justice programs than those with a low pre-assessed risk level (z=-2.3, p = 0.02). Each unit increase in justifying behavior </a:t>
+            </a:r>
+            <a:r>
+              <a:rPr lang="en-US" altLang="en-US" sz="3200" dirty="0">
                 <a:solidFill>
                   <a:schemeClr val="tx1"/>
                 </a:solidFill>
                 <a:latin typeface="Times New Roman" panose="02020603050405020304" pitchFamily="18" charset="0"/>
               </a:rPr>
-              <a:t>Konishi</a:t>
+              <a:t>increased</a:t>
             </a:r>
             <a:r>
               <a:rPr lang="en-US" altLang="en-US" sz="3200" b="0" dirty="0">
@@ -6408,7 +6337,43 @@
                 </a:solidFill>
                 <a:latin typeface="Times New Roman" panose="02020603050405020304" pitchFamily="18" charset="0"/>
               </a:rPr>
-              <a:t>, 2021). Visualizations that look at percentage change for each of these variables, such as those in Figure 1 and Figure 3, also support these conclusions, showing  declines in consumer confidence in the winter months and slight inclines in consumer confidence in the summer months, especially when looking at Investment and Jobs. </a:t>
+              <a:t> </a:t>
+            </a:r>
+            <a:r>
+              <a:rPr lang="en-US" altLang="en-US" sz="3200" dirty="0">
+                <a:solidFill>
+                  <a:schemeClr val="tx1"/>
+                </a:solidFill>
+                <a:latin typeface="Times New Roman" panose="02020603050405020304" pitchFamily="18" charset="0"/>
+              </a:rPr>
+              <a:t>participants’ chances of success</a:t>
+            </a:r>
+            <a:r>
+              <a:rPr lang="en-US" altLang="en-US" sz="3200" b="0" dirty="0">
+                <a:solidFill>
+                  <a:schemeClr val="tx1"/>
+                </a:solidFill>
+                <a:latin typeface="Times New Roman" panose="02020603050405020304" pitchFamily="18" charset="0"/>
+              </a:rPr>
+              <a:t> </a:t>
+            </a:r>
+            <a:r>
+              <a:rPr lang="en-US" altLang="en-US" sz="3200" dirty="0">
+                <a:solidFill>
+                  <a:schemeClr val="tx1"/>
+                </a:solidFill>
+                <a:latin typeface="Times New Roman" panose="02020603050405020304" pitchFamily="18" charset="0"/>
+              </a:rPr>
+              <a:t>by 12% </a:t>
+            </a:r>
+            <a:r>
+              <a:rPr lang="en-US" altLang="en-US" sz="3200" b="0" dirty="0">
+                <a:solidFill>
+                  <a:schemeClr val="tx1"/>
+                </a:solidFill>
+                <a:latin typeface="Times New Roman" panose="02020603050405020304" pitchFamily="18" charset="0"/>
+              </a:rPr>
+              <a:t>(z=2.6, p = 0.01). Results align with previous research, which has identified risk level as a negative predictor of successful reintegration (Frisch-Scott &amp; Nakamura, 2022). </a:t>
             </a:r>
           </a:p>
           <a:p>
@@ -6424,392 +6389,60 @@
                 </a:solidFill>
                 <a:latin typeface="Times New Roman" panose="02020603050405020304" pitchFamily="18" charset="0"/>
               </a:rPr>
-              <a:t>	Further research should be done into this topic with specific focus on how consumer perceptions of the future of the stock and job markets at large. Additionally, this research should be repeated with more directly measured SAD variables to confirm this relationship between the seasons and consumer confidence.</a:t>
-            </a:r>
-          </a:p>
-        </p:txBody>
-      </p:sp>
-      <p:sp>
-        <p:nvSpPr>
-          <p:cNvPr id="2059" name="Line 702">
-            <a:extLst>
-              <a:ext uri="{FF2B5EF4-FFF2-40B4-BE49-F238E27FC236}">
-                <a16:creationId xmlns:a16="http://schemas.microsoft.com/office/drawing/2014/main" id="{4C1B0762-DAA0-F0F2-B487-FE46EF30F0B5}"/>
-              </a:ext>
-            </a:extLst>
-          </p:cNvPr>
-          <p:cNvSpPr>
-            <a:spLocks noChangeShapeType="1"/>
-          </p:cNvSpPr>
-          <p:nvPr/>
-        </p:nvSpPr>
-        <p:spPr bwMode="auto">
-          <a:xfrm flipV="1">
-            <a:off x="6140449" y="4267200"/>
-            <a:ext cx="6356349" cy="0"/>
-          </a:xfrm>
-          <a:prstGeom prst="line">
-            <a:avLst/>
-          </a:prstGeom>
-          <a:noFill/>
-          <a:ln w="76200" cap="rnd" cmpd="tri">
-            <a:solidFill>
-              <a:schemeClr val="accent2"/>
-            </a:solidFill>
-            <a:prstDash val="sysDot"/>
-            <a:round/>
-            <a:headEnd/>
-            <a:tailEnd/>
-          </a:ln>
-          <a:extLst>
-            <a:ext uri="{909E8E84-426E-40DD-AFC4-6F175D3DCCD1}">
-              <a14:hiddenFill xmlns:a14="http://schemas.microsoft.com/office/drawing/2010/main">
-                <a:noFill/>
-              </a14:hiddenFill>
-            </a:ext>
-          </a:extLst>
-        </p:spPr>
-        <p:txBody>
-          <a:bodyPr wrap="none" anchor="ctr"/>
-          <a:lstStyle/>
-          <a:p>
-            <a:endParaRPr lang="en-US"/>
-          </a:p>
-        </p:txBody>
-      </p:sp>
-      <p:sp>
-        <p:nvSpPr>
-          <p:cNvPr id="2060" name="Line 704">
-            <a:extLst>
-              <a:ext uri="{FF2B5EF4-FFF2-40B4-BE49-F238E27FC236}">
-                <a16:creationId xmlns:a16="http://schemas.microsoft.com/office/drawing/2014/main" id="{D5C3B651-4822-1CCD-FAFA-0918333D589C}"/>
-              </a:ext>
-            </a:extLst>
-          </p:cNvPr>
-          <p:cNvSpPr>
-            <a:spLocks noChangeShapeType="1"/>
-          </p:cNvSpPr>
-          <p:nvPr/>
-        </p:nvSpPr>
-        <p:spPr bwMode="auto">
-          <a:xfrm flipV="1">
-            <a:off x="18288000" y="12191999"/>
-            <a:ext cx="6173788" cy="1"/>
-          </a:xfrm>
-          <a:prstGeom prst="line">
-            <a:avLst/>
-          </a:prstGeom>
-          <a:noFill/>
-          <a:ln w="76200" cap="rnd" cmpd="tri">
-            <a:solidFill>
-              <a:schemeClr val="accent2"/>
-            </a:solidFill>
-            <a:prstDash val="sysDot"/>
-            <a:round/>
-            <a:headEnd/>
-            <a:tailEnd/>
-          </a:ln>
-          <a:extLst>
-            <a:ext uri="{909E8E84-426E-40DD-AFC4-6F175D3DCCD1}">
-              <a14:hiddenFill xmlns:a14="http://schemas.microsoft.com/office/drawing/2010/main">
-                <a:noFill/>
-              </a14:hiddenFill>
-            </a:ext>
-          </a:extLst>
-        </p:spPr>
-        <p:txBody>
-          <a:bodyPr wrap="none" anchor="ctr"/>
-          <a:lstStyle/>
-          <a:p>
-            <a:endParaRPr lang="en-US"/>
-          </a:p>
-        </p:txBody>
-      </p:sp>
-      <p:sp>
-        <p:nvSpPr>
-          <p:cNvPr id="2061" name="Line 706">
-            <a:extLst>
-              <a:ext uri="{FF2B5EF4-FFF2-40B4-BE49-F238E27FC236}">
-                <a16:creationId xmlns:a16="http://schemas.microsoft.com/office/drawing/2014/main" id="{2A8DABC9-B42A-D5D5-EBF7-5FE25503AA34}"/>
-              </a:ext>
-            </a:extLst>
-          </p:cNvPr>
-          <p:cNvSpPr>
-            <a:spLocks noChangeShapeType="1"/>
-          </p:cNvSpPr>
-          <p:nvPr/>
-        </p:nvSpPr>
-        <p:spPr bwMode="auto">
-          <a:xfrm>
-            <a:off x="4036880" y="20040600"/>
-            <a:ext cx="8515348" cy="0"/>
-          </a:xfrm>
-          <a:prstGeom prst="line">
-            <a:avLst/>
-          </a:prstGeom>
-          <a:noFill/>
-          <a:ln w="76200" cap="rnd" cmpd="tri">
-            <a:solidFill>
-              <a:schemeClr val="accent2"/>
-            </a:solidFill>
-            <a:prstDash val="sysDot"/>
-            <a:round/>
-            <a:headEnd/>
-            <a:tailEnd/>
-          </a:ln>
-          <a:extLst>
-            <a:ext uri="{909E8E84-426E-40DD-AFC4-6F175D3DCCD1}">
-              <a14:hiddenFill xmlns:a14="http://schemas.microsoft.com/office/drawing/2010/main">
-                <a:noFill/>
-              </a14:hiddenFill>
-            </a:ext>
-          </a:extLst>
-        </p:spPr>
-        <p:txBody>
-          <a:bodyPr wrap="none" anchor="ctr"/>
-          <a:lstStyle/>
-          <a:p>
-            <a:endParaRPr lang="en-US"/>
-          </a:p>
-        </p:txBody>
-      </p:sp>
-      <p:sp>
-        <p:nvSpPr>
-          <p:cNvPr id="2062" name="Line 707">
-            <a:extLst>
-              <a:ext uri="{FF2B5EF4-FFF2-40B4-BE49-F238E27FC236}">
-                <a16:creationId xmlns:a16="http://schemas.microsoft.com/office/drawing/2014/main" id="{4F38FA6C-5411-7A6E-EE62-CC28E0831351}"/>
-              </a:ext>
-            </a:extLst>
-          </p:cNvPr>
-          <p:cNvSpPr>
-            <a:spLocks noChangeShapeType="1"/>
-          </p:cNvSpPr>
-          <p:nvPr/>
-        </p:nvSpPr>
-        <p:spPr bwMode="auto">
-          <a:xfrm flipV="1">
-            <a:off x="29108400" y="15311438"/>
-            <a:ext cx="5994400" cy="0"/>
-          </a:xfrm>
-          <a:prstGeom prst="line">
-            <a:avLst/>
-          </a:prstGeom>
-          <a:noFill/>
-          <a:ln w="76200" cap="rnd" cmpd="tri">
-            <a:solidFill>
-              <a:schemeClr val="accent2"/>
-            </a:solidFill>
-            <a:prstDash val="sysDot"/>
-            <a:round/>
-            <a:headEnd/>
-            <a:tailEnd/>
-          </a:ln>
-          <a:extLst>
-            <a:ext uri="{909E8E84-426E-40DD-AFC4-6F175D3DCCD1}">
-              <a14:hiddenFill xmlns:a14="http://schemas.microsoft.com/office/drawing/2010/main">
-                <a:noFill/>
-              </a14:hiddenFill>
-            </a:ext>
-          </a:extLst>
-        </p:spPr>
-        <p:txBody>
-          <a:bodyPr wrap="none" anchor="ctr"/>
-          <a:lstStyle/>
-          <a:p>
-            <a:endParaRPr lang="en-US"/>
-          </a:p>
-        </p:txBody>
-      </p:sp>
-      <p:sp>
-        <p:nvSpPr>
-          <p:cNvPr id="2067" name="Line 712">
-            <a:extLst>
-              <a:ext uri="{FF2B5EF4-FFF2-40B4-BE49-F238E27FC236}">
-                <a16:creationId xmlns:a16="http://schemas.microsoft.com/office/drawing/2014/main" id="{BCC87049-AD3C-854A-6776-6AD6A908D5D4}"/>
-              </a:ext>
-            </a:extLst>
-          </p:cNvPr>
-          <p:cNvSpPr>
-            <a:spLocks noChangeShapeType="1"/>
-          </p:cNvSpPr>
-          <p:nvPr/>
-        </p:nvSpPr>
-        <p:spPr bwMode="auto">
-          <a:xfrm flipH="1">
-            <a:off x="12484527" y="4267200"/>
-            <a:ext cx="10754" cy="28428932"/>
-          </a:xfrm>
-          <a:prstGeom prst="line">
-            <a:avLst/>
-          </a:prstGeom>
-          <a:noFill/>
-          <a:ln w="76200" cap="rnd" cmpd="tri">
-            <a:solidFill>
-              <a:schemeClr val="accent2"/>
-            </a:solidFill>
-            <a:prstDash val="sysDot"/>
-            <a:round/>
-            <a:headEnd/>
-            <a:tailEnd/>
-          </a:ln>
-          <a:extLst>
-            <a:ext uri="{909E8E84-426E-40DD-AFC4-6F175D3DCCD1}">
-              <a14:hiddenFill xmlns:a14="http://schemas.microsoft.com/office/drawing/2010/main">
-                <a:noFill/>
-              </a14:hiddenFill>
-            </a:ext>
-          </a:extLst>
-        </p:spPr>
-        <p:txBody>
-          <a:bodyPr wrap="none" anchor="ctr"/>
-          <a:lstStyle/>
-          <a:p>
-            <a:endParaRPr lang="en-US"/>
-          </a:p>
-        </p:txBody>
-      </p:sp>
-      <p:sp>
-        <p:nvSpPr>
-          <p:cNvPr id="2068" name="Line 713">
-            <a:extLst>
-              <a:ext uri="{FF2B5EF4-FFF2-40B4-BE49-F238E27FC236}">
-                <a16:creationId xmlns:a16="http://schemas.microsoft.com/office/drawing/2014/main" id="{8564ADE3-4419-CA03-292F-2AB2DFF1C0F8}"/>
-              </a:ext>
-            </a:extLst>
-          </p:cNvPr>
-          <p:cNvSpPr>
-            <a:spLocks noChangeShapeType="1"/>
-          </p:cNvSpPr>
-          <p:nvPr/>
-        </p:nvSpPr>
-        <p:spPr bwMode="auto">
-          <a:xfrm>
-            <a:off x="24477656" y="4267200"/>
-            <a:ext cx="0" cy="28429200"/>
-          </a:xfrm>
-          <a:prstGeom prst="line">
-            <a:avLst/>
-          </a:prstGeom>
-          <a:noFill/>
-          <a:ln w="76200" cap="rnd" cmpd="tri">
-            <a:solidFill>
-              <a:schemeClr val="accent2"/>
-            </a:solidFill>
-            <a:prstDash val="sysDot"/>
-            <a:round/>
-            <a:headEnd/>
-            <a:tailEnd/>
-          </a:ln>
-          <a:extLst>
-            <a:ext uri="{909E8E84-426E-40DD-AFC4-6F175D3DCCD1}">
-              <a14:hiddenFill xmlns:a14="http://schemas.microsoft.com/office/drawing/2010/main">
-                <a:noFill/>
-              </a14:hiddenFill>
-            </a:ext>
-          </a:extLst>
-        </p:spPr>
-        <p:txBody>
-          <a:bodyPr wrap="none" anchor="ctr"/>
-          <a:lstStyle/>
-          <a:p>
-            <a:endParaRPr lang="en-US"/>
-          </a:p>
-        </p:txBody>
-      </p:sp>
-      <p:sp>
-        <p:nvSpPr>
-          <p:cNvPr id="2069" name="Line 714">
-            <a:extLst>
-              <a:ext uri="{FF2B5EF4-FFF2-40B4-BE49-F238E27FC236}">
-                <a16:creationId xmlns:a16="http://schemas.microsoft.com/office/drawing/2014/main" id="{4A1F9CE6-C249-6120-B3D2-5BF8BE35F834}"/>
-              </a:ext>
-            </a:extLst>
-          </p:cNvPr>
-          <p:cNvSpPr>
-            <a:spLocks noChangeShapeType="1"/>
-          </p:cNvSpPr>
-          <p:nvPr/>
-        </p:nvSpPr>
-        <p:spPr bwMode="auto">
-          <a:xfrm flipV="1">
-            <a:off x="914400" y="10591800"/>
-            <a:ext cx="11582400" cy="0"/>
-          </a:xfrm>
-          <a:prstGeom prst="line">
-            <a:avLst/>
-          </a:prstGeom>
-          <a:noFill/>
-          <a:ln w="76200" cap="rnd" cmpd="tri">
-            <a:solidFill>
-              <a:schemeClr val="accent2"/>
-            </a:solidFill>
-            <a:prstDash val="sysDot"/>
-            <a:round/>
-            <a:headEnd/>
-            <a:tailEnd/>
-          </a:ln>
-          <a:extLst>
-            <a:ext uri="{909E8E84-426E-40DD-AFC4-6F175D3DCCD1}">
-              <a14:hiddenFill xmlns:a14="http://schemas.microsoft.com/office/drawing/2010/main">
-                <a:noFill/>
-              </a14:hiddenFill>
-            </a:ext>
-          </a:extLst>
-        </p:spPr>
-        <p:txBody>
-          <a:bodyPr wrap="none" anchor="ctr"/>
-          <a:lstStyle/>
-          <a:p>
-            <a:endParaRPr lang="en-US"/>
-          </a:p>
-        </p:txBody>
-      </p:sp>
-      <p:sp>
-        <p:nvSpPr>
-          <p:cNvPr id="2082" name="Line 727">
-            <a:extLst>
-              <a:ext uri="{FF2B5EF4-FFF2-40B4-BE49-F238E27FC236}">
-                <a16:creationId xmlns:a16="http://schemas.microsoft.com/office/drawing/2014/main" id="{44C7D487-31E3-6854-5D86-214725B74B9F}"/>
-              </a:ext>
-            </a:extLst>
-          </p:cNvPr>
-          <p:cNvSpPr>
-            <a:spLocks noChangeShapeType="1"/>
-          </p:cNvSpPr>
-          <p:nvPr/>
-        </p:nvSpPr>
-        <p:spPr bwMode="auto">
-          <a:xfrm flipV="1">
-            <a:off x="12590456" y="23622000"/>
-            <a:ext cx="11887200" cy="0"/>
-          </a:xfrm>
-          <a:prstGeom prst="line">
-            <a:avLst/>
-          </a:prstGeom>
-          <a:noFill/>
-          <a:ln w="76200" cap="rnd" cmpd="tri">
-            <a:solidFill>
-              <a:schemeClr val="accent2"/>
-            </a:solidFill>
-            <a:prstDash val="sysDot"/>
-            <a:round/>
-            <a:headEnd/>
-            <a:tailEnd/>
-          </a:ln>
-          <a:extLst>
-            <a:ext uri="{909E8E84-426E-40DD-AFC4-6F175D3DCCD1}">
-              <a14:hiddenFill xmlns:a14="http://schemas.microsoft.com/office/drawing/2010/main">
-                <a:noFill/>
-              </a14:hiddenFill>
-            </a:ext>
-          </a:extLst>
-        </p:spPr>
-        <p:txBody>
-          <a:bodyPr wrap="none" anchor="ctr"/>
-          <a:lstStyle/>
-          <a:p>
-            <a:endParaRPr lang="en-US"/>
+              <a:t>	Machine learning models were run with 10-fold cross-validation to predict the probability of successful outcomes within low-supervision programs. Gradient boosting was chosen as the best model with the most balanced sensitivity and specificity, and identified age, criminal thinking measures, risk level, and race as the most important variables (Figure 4). However, the results are not promising; with an </a:t>
+            </a:r>
+            <a:r>
+              <a:rPr lang="en-US" altLang="en-US" sz="3200" dirty="0">
+                <a:solidFill>
+                  <a:schemeClr val="tx1"/>
+                </a:solidFill>
+                <a:latin typeface="Times New Roman" panose="02020603050405020304" pitchFamily="18" charset="0"/>
+              </a:rPr>
+              <a:t>accuracy of 0.54</a:t>
+            </a:r>
+            <a:r>
+              <a:rPr lang="en-US" altLang="en-US" sz="3200" b="0" dirty="0">
+                <a:solidFill>
+                  <a:schemeClr val="tx1"/>
+                </a:solidFill>
+                <a:latin typeface="Times New Roman" panose="02020603050405020304" pitchFamily="18" charset="0"/>
+              </a:rPr>
+              <a:t> [0.46, 0.62], the model only </a:t>
+            </a:r>
+            <a:r>
+              <a:rPr lang="en-US" altLang="en-US" sz="3200" dirty="0">
+                <a:solidFill>
+                  <a:schemeClr val="tx1"/>
+                </a:solidFill>
+                <a:latin typeface="Times New Roman" panose="02020603050405020304" pitchFamily="18" charset="0"/>
+              </a:rPr>
+              <a:t>correctly classified 55% </a:t>
+            </a:r>
+            <a:r>
+              <a:rPr lang="en-US" altLang="en-US" sz="3200" b="0" dirty="0">
+                <a:solidFill>
+                  <a:schemeClr val="tx1"/>
+                </a:solidFill>
+                <a:latin typeface="Times New Roman" panose="02020603050405020304" pitchFamily="18" charset="0"/>
+              </a:rPr>
+              <a:t>of successful participants. </a:t>
+            </a:r>
+          </a:p>
+          <a:p>
+            <a:pPr>
+              <a:spcBef>
+                <a:spcPct val="25000"/>
+              </a:spcBef>
+            </a:pPr>
+            <a:r>
+              <a:rPr lang="en-US" altLang="en-US" sz="3200" b="0" dirty="0">
+                <a:solidFill>
+                  <a:schemeClr val="tx1"/>
+                </a:solidFill>
+                <a:latin typeface="Times New Roman" panose="02020603050405020304" pitchFamily="18" charset="0"/>
+              </a:rPr>
+              <a:t>	Further research will focus more on machine learning results to understand if other variables would act as better predictors, given the low prediction power of these models. Additionally, programs will be further investigated as a predictor of successful outcomes. </a:t>
+            </a:r>
           </a:p>
         </p:txBody>
       </p:sp>
@@ -6836,7 +6469,7 @@
             <a:avLst/>
           </a:prstGeom>
           <a:noFill/>
-          <a:ln w="9525" cap="rnd">
+          <a:ln w="57150" cap="rnd">
             <a:solidFill>
               <a:schemeClr val="accent2"/>
             </a:solidFill>
@@ -6877,7 +6510,7 @@
         </p:nvSpPr>
         <p:spPr bwMode="auto">
           <a:xfrm>
-            <a:off x="13106400" y="10815935"/>
+            <a:off x="12930165" y="9829800"/>
             <a:ext cx="10463235" cy="830997"/>
           </a:xfrm>
           <a:prstGeom prst="rect">
@@ -7026,7 +6659,7 @@
                 </a:solidFill>
                 <a:latin typeface="Gill Sans" panose="020B0502020104020203" pitchFamily="34" charset="-79"/>
               </a:rPr>
-              <a:t>. Time-series graph representing the average change in the Investment Consumer Confidence index over time for four different latitude categories </a:t>
+              <a:t>. Boxplots representing the area under the ROC curve, sensitivity, and specificity for 10-fold cross-validation for 5 models.</a:t>
             </a:r>
           </a:p>
         </p:txBody>
@@ -7047,7 +6680,7 @@
         </p:nvSpPr>
         <p:spPr bwMode="auto">
           <a:xfrm>
-            <a:off x="1016001" y="18600003"/>
+            <a:off x="1016001" y="18295203"/>
             <a:ext cx="10907714" cy="830997"/>
           </a:xfrm>
           <a:prstGeom prst="rect">
@@ -7196,7 +6829,7 @@
                 </a:solidFill>
                 <a:latin typeface="Gill Sans" panose="020B0502020104020203" pitchFamily="34" charset="-79"/>
               </a:rPr>
-              <a:t>Heatmap representing the average percentage change in investment consumer confidence by month </a:t>
+              <a:t>Bar graph displaying the proportion of successful outcomes by program and risk level. </a:t>
             </a:r>
           </a:p>
         </p:txBody>
@@ -7217,8 +6850,8 @@
         </p:nvSpPr>
         <p:spPr bwMode="auto">
           <a:xfrm>
-            <a:off x="12882422" y="31623000"/>
-            <a:ext cx="11272978" cy="830997"/>
+            <a:off x="12725400" y="30099000"/>
+            <a:ext cx="10573549" cy="830997"/>
           </a:xfrm>
           <a:prstGeom prst="rect">
             <a:avLst/>
@@ -7366,7 +6999,7 @@
                 </a:solidFill>
                 <a:latin typeface="Gill Sans" panose="020B0502020104020203" pitchFamily="34" charset="-79"/>
               </a:rPr>
-              <a:t> Heatmap representing the average percentage change in job confidence by month </a:t>
+              <a:t> Alluvial graph representing the proportions of participants who change living arrangements between admission and discharge. </a:t>
             </a:r>
           </a:p>
         </p:txBody>
@@ -7387,8 +7020,8 @@
         </p:nvSpPr>
         <p:spPr bwMode="auto">
           <a:xfrm>
-            <a:off x="25146000" y="13936664"/>
-            <a:ext cx="10363200" cy="830997"/>
+            <a:off x="25148671" y="27482363"/>
+            <a:ext cx="10166804" cy="830997"/>
           </a:xfrm>
           <a:prstGeom prst="rect">
             <a:avLst/>
@@ -7527,7 +7160,7 @@
                 </a:solidFill>
                 <a:latin typeface="Gill Sans" panose="020B0502020104020203" pitchFamily="34" charset="-79"/>
               </a:rPr>
-              <a:t>Table 1. </a:t>
+              <a:t>Figure 4. </a:t>
             </a:r>
             <a:r>
               <a:rPr lang="en-US" altLang="en-US" sz="2400" b="0" dirty="0">
@@ -7536,233 +7169,17 @@
                 </a:solidFill>
                 <a:latin typeface="Gill Sans" panose="020B0502020104020203" pitchFamily="34" charset="-79"/>
               </a:rPr>
-              <a:t>Fixed effects regressions for the three most significant relationships between percentage change in consumer confidence and seasonal variables</a:t>
-            </a:r>
-          </a:p>
-        </p:txBody>
-      </p:sp>
-      <p:sp>
-        <p:nvSpPr>
-          <p:cNvPr id="4" name="Text Box 238">
-            <a:extLst>
-              <a:ext uri="{FF2B5EF4-FFF2-40B4-BE49-F238E27FC236}">
-                <a16:creationId xmlns:a16="http://schemas.microsoft.com/office/drawing/2014/main" id="{B6AF2825-EA53-521D-D2D9-660226AFDAAE}"/>
-              </a:ext>
-            </a:extLst>
-          </p:cNvPr>
-          <p:cNvSpPr txBox="1">
-            <a:spLocks noChangeArrowheads="1"/>
-          </p:cNvSpPr>
-          <p:nvPr/>
-        </p:nvSpPr>
-        <p:spPr bwMode="auto">
-          <a:xfrm>
-            <a:off x="25044400" y="30180390"/>
-            <a:ext cx="10744200" cy="2661810"/>
-          </a:xfrm>
-          <a:prstGeom prst="rect">
-            <a:avLst/>
-          </a:prstGeom>
-          <a:noFill/>
-          <a:ln>
-            <a:noFill/>
-          </a:ln>
-          <a:extLst>
-            <a:ext uri="{909E8E84-426E-40DD-AFC4-6F175D3DCCD1}">
-              <a14:hiddenFill xmlns:a14="http://schemas.microsoft.com/office/drawing/2010/main">
-                <a:solidFill>
-                  <a:srgbClr val="FFFFFF"/>
-                </a:solidFill>
-              </a14:hiddenFill>
-            </a:ext>
-            <a:ext uri="{91240B29-F687-4F45-9708-019B960494DF}">
-              <a14:hiddenLine xmlns:a14="http://schemas.microsoft.com/office/drawing/2010/main" w="9525">
-                <a:solidFill>
-                  <a:srgbClr val="000000"/>
-                </a:solidFill>
-                <a:miter lim="800000"/>
-                <a:headEnd/>
-                <a:tailEnd/>
-              </a14:hiddenLine>
-            </a:ext>
-          </a:extLst>
-        </p:spPr>
-        <p:txBody>
-          <a:bodyPr lIns="0" tIns="45267" rIns="0" bIns="457200">
-            <a:spAutoFit/>
-          </a:bodyPr>
-          <a:lstStyle>
-            <a:lvl1pPr marL="877888" indent="-877888" defTabSz="908050">
-              <a:defRPr sz="4000" b="1">
-                <a:solidFill>
-                  <a:srgbClr val="003399"/>
-                </a:solidFill>
-                <a:latin typeface="Arial" panose="020B0604020202020204" pitchFamily="34" charset="0"/>
-              </a:defRPr>
-            </a:lvl1pPr>
-            <a:lvl2pPr marL="742950" indent="-285750" defTabSz="908050">
-              <a:defRPr sz="4000" b="1">
-                <a:solidFill>
-                  <a:srgbClr val="003399"/>
-                </a:solidFill>
-                <a:latin typeface="Arial" panose="020B0604020202020204" pitchFamily="34" charset="0"/>
-              </a:defRPr>
-            </a:lvl2pPr>
-            <a:lvl3pPr marL="1143000" indent="-228600" defTabSz="908050">
-              <a:defRPr sz="4000" b="1">
-                <a:solidFill>
-                  <a:srgbClr val="003399"/>
-                </a:solidFill>
-                <a:latin typeface="Arial" panose="020B0604020202020204" pitchFamily="34" charset="0"/>
-              </a:defRPr>
-            </a:lvl3pPr>
-            <a:lvl4pPr marL="1600200" indent="-228600" defTabSz="908050">
-              <a:defRPr sz="4000" b="1">
-                <a:solidFill>
-                  <a:srgbClr val="003399"/>
-                </a:solidFill>
-                <a:latin typeface="Arial" panose="020B0604020202020204" pitchFamily="34" charset="0"/>
-              </a:defRPr>
-            </a:lvl4pPr>
-            <a:lvl5pPr marL="2057400" indent="-228600" defTabSz="908050">
-              <a:defRPr sz="4000" b="1">
-                <a:solidFill>
-                  <a:srgbClr val="003399"/>
-                </a:solidFill>
-                <a:latin typeface="Arial" panose="020B0604020202020204" pitchFamily="34" charset="0"/>
-              </a:defRPr>
-            </a:lvl5pPr>
-            <a:lvl6pPr marL="2514600" indent="-228600" defTabSz="908050" eaLnBrk="0" fontAlgn="base" hangingPunct="0">
-              <a:spcBef>
-                <a:spcPct val="0"/>
-              </a:spcBef>
-              <a:spcAft>
-                <a:spcPct val="0"/>
-              </a:spcAft>
-              <a:defRPr sz="4000" b="1">
-                <a:solidFill>
-                  <a:srgbClr val="003399"/>
-                </a:solidFill>
-                <a:latin typeface="Arial" panose="020B0604020202020204" pitchFamily="34" charset="0"/>
-              </a:defRPr>
-            </a:lvl6pPr>
-            <a:lvl7pPr marL="2971800" indent="-228600" defTabSz="908050" eaLnBrk="0" fontAlgn="base" hangingPunct="0">
-              <a:spcBef>
-                <a:spcPct val="0"/>
-              </a:spcBef>
-              <a:spcAft>
-                <a:spcPct val="0"/>
-              </a:spcAft>
-              <a:defRPr sz="4000" b="1">
-                <a:solidFill>
-                  <a:srgbClr val="003399"/>
-                </a:solidFill>
-                <a:latin typeface="Arial" panose="020B0604020202020204" pitchFamily="34" charset="0"/>
-              </a:defRPr>
-            </a:lvl7pPr>
-            <a:lvl8pPr marL="3429000" indent="-228600" defTabSz="908050" eaLnBrk="0" fontAlgn="base" hangingPunct="0">
-              <a:spcBef>
-                <a:spcPct val="0"/>
-              </a:spcBef>
-              <a:spcAft>
-                <a:spcPct val="0"/>
-              </a:spcAft>
-              <a:defRPr sz="4000" b="1">
-                <a:solidFill>
-                  <a:srgbClr val="003399"/>
-                </a:solidFill>
-                <a:latin typeface="Arial" panose="020B0604020202020204" pitchFamily="34" charset="0"/>
-              </a:defRPr>
-            </a:lvl8pPr>
-            <a:lvl9pPr marL="3886200" indent="-228600" defTabSz="908050" eaLnBrk="0" fontAlgn="base" hangingPunct="0">
-              <a:spcBef>
-                <a:spcPct val="0"/>
-              </a:spcBef>
-              <a:spcAft>
-                <a:spcPct val="0"/>
-              </a:spcAft>
-              <a:defRPr sz="4000" b="1">
-                <a:solidFill>
-                  <a:srgbClr val="003399"/>
-                </a:solidFill>
-                <a:latin typeface="Arial" panose="020B0604020202020204" pitchFamily="34" charset="0"/>
-              </a:defRPr>
-            </a:lvl9pPr>
-          </a:lstStyle>
-          <a:p>
-            <a:r>
-              <a:rPr lang="en-US" altLang="en-US" sz="4400" b="0" dirty="0">
-                <a:solidFill>
-                  <a:srgbClr val="6DB1FF"/>
-                </a:solidFill>
-                <a:latin typeface="Gill Sans" panose="020B0502020104020203" pitchFamily="34" charset="-79"/>
-              </a:rPr>
-              <a:t>DATA SOURCES </a:t>
-            </a:r>
-            <a:endParaRPr lang="en-US" altLang="en-US" sz="3600" dirty="0">
-              <a:solidFill>
-                <a:srgbClr val="6DB1FF"/>
-              </a:solidFill>
-            </a:endParaRPr>
-          </a:p>
-          <a:p>
-            <a:r>
-              <a:rPr lang="en-US" altLang="en-US" sz="2400" b="0" dirty="0">
-                <a:solidFill>
-                  <a:schemeClr val="tx1"/>
-                </a:solidFill>
-                <a:latin typeface="Times New Roman" panose="02020603050405020304" pitchFamily="18" charset="0"/>
-              </a:rPr>
-              <a:t>1. Ipsos Consumer Confidence Indices</a:t>
-            </a:r>
-          </a:p>
-          <a:p>
-            <a:r>
-              <a:rPr lang="en-US" altLang="en-US" sz="2400" b="0" dirty="0">
-                <a:solidFill>
-                  <a:schemeClr val="tx1"/>
-                </a:solidFill>
-                <a:latin typeface="Times New Roman" panose="02020603050405020304" pitchFamily="18" charset="0"/>
-              </a:rPr>
-              <a:t>2. OECD Consumer Confidence and Business Confidence Indices</a:t>
-            </a:r>
-          </a:p>
-          <a:p>
-            <a:r>
-              <a:rPr lang="en-US" altLang="en-US" sz="2400" b="0" dirty="0">
-                <a:solidFill>
-                  <a:schemeClr val="tx1"/>
-                </a:solidFill>
-                <a:latin typeface="Times New Roman" panose="02020603050405020304" pitchFamily="18" charset="0"/>
-              </a:rPr>
-              <a:t>3. IMF International Financial Statistics </a:t>
-            </a:r>
-          </a:p>
-          <a:p>
-            <a:r>
-              <a:rPr lang="en-US" altLang="en-US" sz="2400" b="0" dirty="0">
-                <a:solidFill>
-                  <a:schemeClr val="tx1"/>
-                </a:solidFill>
-                <a:latin typeface="Times New Roman" panose="02020603050405020304" pitchFamily="18" charset="0"/>
-              </a:rPr>
-              <a:t>4. Gavin R World Countries Centroids Coordinates </a:t>
-            </a:r>
-            <a:endParaRPr lang="en-US" altLang="en-US" sz="2400" b="0" dirty="0">
-              <a:solidFill>
-                <a:schemeClr val="tx1"/>
-              </a:solidFill>
-              <a:latin typeface="ArialMT" charset="0"/>
-            </a:endParaRPr>
+              <a:t>Bar graph of variable importance for variables selected by gradient boosted logistic regression model. </a:t>
+            </a:r>
           </a:p>
         </p:txBody>
       </p:sp>
       <p:pic>
         <p:nvPicPr>
-          <p:cNvPr id="7" name="Picture 6" descr="Chart&#10;&#10;Description automatically generated">
+          <p:cNvPr id="2" name="Picture 183">
             <a:extLst>
               <a:ext uri="{FF2B5EF4-FFF2-40B4-BE49-F238E27FC236}">
-                <a16:creationId xmlns:a16="http://schemas.microsoft.com/office/drawing/2014/main" id="{FB6A9DF8-1F2B-1FCE-BCBF-EE5A82BC7158}"/>
+                <a16:creationId xmlns:a16="http://schemas.microsoft.com/office/drawing/2014/main" id="{0354D87C-282A-2D6D-4770-6BA791887770}"/>
               </a:ext>
             </a:extLst>
           </p:cNvPr>
@@ -7779,26 +7196,124 @@
               </a:ext>
             </a:extLst>
           </a:blip>
+          <a:srcRect/>
           <a:stretch>
             <a:fillRect/>
           </a:stretch>
         </p:blipFill>
-        <p:spPr>
+        <p:spPr bwMode="auto">
           <a:xfrm>
-            <a:off x="838200" y="10972800"/>
-            <a:ext cx="11555483" cy="7528161"/>
+            <a:off x="32613600" y="462653"/>
+            <a:ext cx="3149600" cy="2976941"/>
           </a:xfrm>
           <a:prstGeom prst="rect">
             <a:avLst/>
           </a:prstGeom>
+          <a:noFill/>
+          <a:ln>
+            <a:noFill/>
+          </a:ln>
+          <a:extLst>
+            <a:ext uri="{909E8E84-426E-40DD-AFC4-6F175D3DCCD1}">
+              <a14:hiddenFill xmlns:a14="http://schemas.microsoft.com/office/drawing/2010/main">
+                <a:solidFill>
+                  <a:srgbClr val="FFFFFF"/>
+                </a:solidFill>
+              </a14:hiddenFill>
+            </a:ext>
+            <a:ext uri="{91240B29-F687-4F45-9708-019B960494DF}">
+              <a14:hiddenLine xmlns:a14="http://schemas.microsoft.com/office/drawing/2010/main" w="9525">
+                <a:solidFill>
+                  <a:srgbClr val="000000"/>
+                </a:solidFill>
+                <a:miter lim="800000"/>
+                <a:headEnd/>
+                <a:tailEnd/>
+              </a14:hiddenLine>
+            </a:ext>
+          </a:extLst>
         </p:spPr>
       </p:pic>
       <p:sp>
         <p:nvSpPr>
-          <p:cNvPr id="8" name="Line 707">
+          <p:cNvPr id="5" name="Rectangle: Rounded Corners 4">
             <a:extLst>
               <a:ext uri="{FF2B5EF4-FFF2-40B4-BE49-F238E27FC236}">
-                <a16:creationId xmlns:a16="http://schemas.microsoft.com/office/drawing/2014/main" id="{D60C1716-ACE7-5373-436C-FBBD5844522D}"/>
+                <a16:creationId xmlns:a16="http://schemas.microsoft.com/office/drawing/2014/main" id="{50491DE1-9985-1A09-2B29-22B3577D4969}"/>
+              </a:ext>
+            </a:extLst>
+          </p:cNvPr>
+          <p:cNvSpPr/>
+          <p:nvPr/>
+        </p:nvSpPr>
+        <p:spPr bwMode="auto">
+          <a:xfrm>
+            <a:off x="1016001" y="3763824"/>
+            <a:ext cx="10907713" cy="1189176"/>
+          </a:xfrm>
+          <a:prstGeom prst="roundRect">
+            <a:avLst/>
+          </a:prstGeom>
+          <a:solidFill>
+            <a:schemeClr val="bg1"/>
+          </a:solidFill>
+          <a:ln w="9525" cap="flat" cmpd="sng" algn="ctr">
+            <a:solidFill>
+              <a:schemeClr val="bg1"/>
+            </a:solidFill>
+            <a:prstDash val="solid"/>
+            <a:round/>
+            <a:headEnd type="none" w="med" len="med"/>
+            <a:tailEnd type="none" w="med" len="med"/>
+          </a:ln>
+          <a:effectLst/>
+        </p:spPr>
+        <p:txBody>
+          <a:bodyPr vert="horz" wrap="square" lIns="91440" tIns="45720" rIns="91440" bIns="45720" numCol="1" rtlCol="0" anchor="t" anchorCtr="0" compatLnSpc="1">
+            <a:prstTxWarp prst="textNoShape">
+              <a:avLst/>
+            </a:prstTxWarp>
+          </a:bodyPr>
+          <a:lstStyle/>
+          <a:p>
+            <a:pPr marL="0" marR="0" indent="0" algn="l" defTabSz="908050" rtl="0" eaLnBrk="0" fontAlgn="base" latinLnBrk="0" hangingPunct="0">
+              <a:spcBef>
+                <a:spcPct val="0"/>
+              </a:spcBef>
+              <a:spcAft>
+                <a:spcPct val="0"/>
+              </a:spcAft>
+              <a:buClrTx/>
+              <a:buSzTx/>
+              <a:buFontTx/>
+              <a:buNone/>
+              <a:tabLst/>
+            </a:pPr>
+            <a:r>
+              <a:rPr kumimoji="0" lang="en-US" sz="6000" b="1" i="0" u="none" strike="noStrike" cap="none" normalizeH="0" baseline="0" dirty="0">
+                <a:ln>
+                  <a:noFill/>
+                </a:ln>
+                <a:solidFill>
+                  <a:schemeClr val="accent6">
+                    <a:lumMod val="50000"/>
+                  </a:schemeClr>
+                </a:solidFill>
+                <a:effectLst/>
+                <a:latin typeface="Cambria" panose="02040503050406030204" pitchFamily="18" charset="0"/>
+                <a:ea typeface="Cambria" panose="02040503050406030204" pitchFamily="18" charset="0"/>
+              </a:rPr>
+              <a:t>Introduction</a:t>
+            </a:r>
+          </a:p>
+        </p:txBody>
+      </p:sp>
+      <p:sp>
+        <p:nvSpPr>
+          <p:cNvPr id="6" name="Line 728">
+            <a:extLst>
+              <a:ext uri="{FF2B5EF4-FFF2-40B4-BE49-F238E27FC236}">
+                <a16:creationId xmlns:a16="http://schemas.microsoft.com/office/drawing/2014/main" id="{9B07F5B1-99B8-BCCA-FD04-451247397CE3}"/>
               </a:ext>
             </a:extLst>
           </p:cNvPr>
@@ -7808,15 +7323,15 @@
           <p:nvPr/>
         </p:nvSpPr>
         <p:spPr bwMode="auto">
-          <a:xfrm flipV="1">
-            <a:off x="29514800" y="30561390"/>
-            <a:ext cx="5689600" cy="0"/>
+          <a:xfrm flipH="1">
+            <a:off x="11895957" y="3581400"/>
+            <a:ext cx="113465" cy="28727398"/>
           </a:xfrm>
           <a:prstGeom prst="line">
             <a:avLst/>
           </a:prstGeom>
           <a:noFill/>
-          <a:ln w="76200" cap="rnd" cmpd="tri">
+          <a:ln w="57150" cap="rnd">
             <a:solidFill>
               <a:schemeClr val="accent2"/>
             </a:solidFill>
@@ -7841,48 +7356,12 @@
           </a:p>
         </p:txBody>
       </p:sp>
-      <p:pic>
-        <p:nvPicPr>
-          <p:cNvPr id="12" name="Picture 11" descr="Chart&#10;&#10;Description automatically generated">
+      <p:sp>
+        <p:nvSpPr>
+          <p:cNvPr id="9" name="Line 728">
             <a:extLst>
               <a:ext uri="{FF2B5EF4-FFF2-40B4-BE49-F238E27FC236}">
-                <a16:creationId xmlns:a16="http://schemas.microsoft.com/office/drawing/2014/main" id="{770FD316-FE61-46F1-65FE-DB8456D75C57}"/>
-              </a:ext>
-            </a:extLst>
-          </p:cNvPr>
-          <p:cNvPicPr>
-            <a:picLocks noChangeAspect="1"/>
-          </p:cNvPicPr>
-          <p:nvPr/>
-        </p:nvPicPr>
-        <p:blipFill>
-          <a:blip r:embed="rId3">
-            <a:extLst>
-              <a:ext uri="{28A0092B-C50C-407E-A947-70E740481C1C}">
-                <a14:useLocalDpi xmlns:a14="http://schemas.microsoft.com/office/drawing/2010/main" val="0"/>
-              </a:ext>
-            </a:extLst>
-          </a:blip>
-          <a:stretch>
-            <a:fillRect/>
-          </a:stretch>
-        </p:blipFill>
-        <p:spPr>
-          <a:xfrm>
-            <a:off x="13208000" y="4130529"/>
-            <a:ext cx="10692975" cy="6718595"/>
-          </a:xfrm>
-          <a:prstGeom prst="rect">
-            <a:avLst/>
-          </a:prstGeom>
-        </p:spPr>
-      </p:pic>
-      <p:sp>
-        <p:nvSpPr>
-          <p:cNvPr id="14" name="Line 707">
-            <a:extLst>
-              <a:ext uri="{FF2B5EF4-FFF2-40B4-BE49-F238E27FC236}">
-                <a16:creationId xmlns:a16="http://schemas.microsoft.com/office/drawing/2014/main" id="{92473927-0122-7179-866B-6B3E2E55700D}"/>
+                <a16:creationId xmlns:a16="http://schemas.microsoft.com/office/drawing/2014/main" id="{30D14412-107C-5A87-12EB-CB64BEA2EC69}"/>
               </a:ext>
             </a:extLst>
           </p:cNvPr>
@@ -7892,15 +7371,15 @@
           <p:nvPr/>
         </p:nvSpPr>
         <p:spPr bwMode="auto">
-          <a:xfrm flipV="1">
-            <a:off x="4874316" y="28270200"/>
-            <a:ext cx="7622484" cy="0"/>
+          <a:xfrm>
+            <a:off x="24245901" y="3581400"/>
+            <a:ext cx="39712" cy="28727383"/>
           </a:xfrm>
           <a:prstGeom prst="line">
             <a:avLst/>
           </a:prstGeom>
           <a:noFill/>
-          <a:ln w="76200" cap="rnd" cmpd="tri">
+          <a:ln w="57150" cap="rnd">
             <a:solidFill>
               <a:schemeClr val="accent2"/>
             </a:solidFill>
@@ -7927,10 +7406,52 @@
       </p:sp>
       <p:pic>
         <p:nvPicPr>
-          <p:cNvPr id="16" name="Picture 15" descr="Chart, bar chart, treemap chart&#10;&#10;Description automatically generated">
+          <p:cNvPr id="15" name="Picture 14">
             <a:extLst>
               <a:ext uri="{FF2B5EF4-FFF2-40B4-BE49-F238E27FC236}">
-                <a16:creationId xmlns:a16="http://schemas.microsoft.com/office/drawing/2014/main" id="{A5744947-BE9A-A4D2-0115-8A5B363EACC3}"/>
+                <a16:creationId xmlns:a16="http://schemas.microsoft.com/office/drawing/2014/main" id="{096A49CC-1B29-86B0-1A50-EF85B06D4904}"/>
+              </a:ext>
+            </a:extLst>
+          </p:cNvPr>
+          <p:cNvPicPr>
+            <a:picLocks noChangeAspect="1"/>
+          </p:cNvPicPr>
+          <p:nvPr/>
+        </p:nvPicPr>
+        <p:blipFill>
+          <a:blip r:embed="rId3">
+            <a:extLst>
+              <a:ext uri="{28A0092B-C50C-407E-A947-70E740481C1C}">
+                <a14:useLocalDpi xmlns:a14="http://schemas.microsoft.com/office/drawing/2010/main" val="0"/>
+              </a:ext>
+            </a:extLst>
+          </a:blip>
+          <a:srcRect/>
+          <a:stretch/>
+        </p:blipFill>
+        <p:spPr>
+          <a:xfrm>
+            <a:off x="12725400" y="4051281"/>
+            <a:ext cx="10778304" cy="5679324"/>
+          </a:xfrm>
+          <a:prstGeom prst="rect">
+            <a:avLst/>
+          </a:prstGeom>
+          <a:ln w="38100">
+            <a:solidFill>
+              <a:schemeClr val="accent6">
+                <a:lumMod val="50000"/>
+              </a:schemeClr>
+            </a:solidFill>
+          </a:ln>
+        </p:spPr>
+      </p:pic>
+      <p:pic>
+        <p:nvPicPr>
+          <p:cNvPr id="20" name="Picture 19" descr="A graph of different colored squares&#10;&#10;AI-generated content may be incorrect.">
+            <a:extLst>
+              <a:ext uri="{FF2B5EF4-FFF2-40B4-BE49-F238E27FC236}">
+                <a16:creationId xmlns:a16="http://schemas.microsoft.com/office/drawing/2014/main" id="{CC4D4D73-6473-FA37-BE7D-76B8B8311F08}"/>
               </a:ext>
             </a:extLst>
           </p:cNvPr>
@@ -7953,20 +7474,27 @@
         </p:blipFill>
         <p:spPr>
           <a:xfrm>
-            <a:off x="12954000" y="23995706"/>
-            <a:ext cx="11272972" cy="7627294"/>
+            <a:off x="12638833" y="24841201"/>
+            <a:ext cx="10864871" cy="5181599"/>
           </a:xfrm>
           <a:prstGeom prst="rect">
             <a:avLst/>
           </a:prstGeom>
+          <a:ln w="38100">
+            <a:solidFill>
+              <a:schemeClr val="accent6">
+                <a:lumMod val="50000"/>
+              </a:schemeClr>
+            </a:solidFill>
+          </a:ln>
         </p:spPr>
       </p:pic>
       <p:pic>
         <p:nvPicPr>
-          <p:cNvPr id="18" name="Picture 17" descr="Table&#10;&#10;Description automatically generated">
+          <p:cNvPr id="22" name="Picture 21">
             <a:extLst>
               <a:ext uri="{FF2B5EF4-FFF2-40B4-BE49-F238E27FC236}">
-                <a16:creationId xmlns:a16="http://schemas.microsoft.com/office/drawing/2014/main" id="{BF5B27BD-A891-E3A3-BF7D-1935414291FC}"/>
+                <a16:creationId xmlns:a16="http://schemas.microsoft.com/office/drawing/2014/main" id="{DD5EB9D7-06F0-5E26-9246-AF219073EC42}"/>
               </a:ext>
             </a:extLst>
           </p:cNvPr>
@@ -7983,26 +7511,32 @@
               </a:ext>
             </a:extLst>
           </a:blip>
-          <a:stretch>
-            <a:fillRect/>
-          </a:stretch>
+          <a:srcRect/>
+          <a:stretch/>
         </p:blipFill>
         <p:spPr>
           <a:xfrm>
-            <a:off x="24841200" y="4116619"/>
-            <a:ext cx="10683769" cy="9751781"/>
+            <a:off x="964369" y="12675048"/>
+            <a:ext cx="10345816" cy="5536752"/>
           </a:xfrm>
           <a:prstGeom prst="rect">
             <a:avLst/>
           </a:prstGeom>
+          <a:ln w="38100">
+            <a:solidFill>
+              <a:schemeClr val="accent6">
+                <a:lumMod val="50000"/>
+              </a:schemeClr>
+            </a:solidFill>
+          </a:ln>
         </p:spPr>
       </p:pic>
       <p:pic>
         <p:nvPicPr>
-          <p:cNvPr id="2" name="Picture 183">
+          <p:cNvPr id="23" name="Picture 22">
             <a:extLst>
               <a:ext uri="{FF2B5EF4-FFF2-40B4-BE49-F238E27FC236}">
-                <a16:creationId xmlns:a16="http://schemas.microsoft.com/office/drawing/2014/main" id="{0354D87C-282A-2D6D-4770-6BA791887770}"/>
+                <a16:creationId xmlns:a16="http://schemas.microsoft.com/office/drawing/2014/main" id="{5A30BE29-03ED-971F-2CD9-531769D96283}"/>
               </a:ext>
             </a:extLst>
           </p:cNvPr>
@@ -8020,14 +7554,43 @@
             </a:extLst>
           </a:blip>
           <a:srcRect/>
-          <a:stretch>
-            <a:fillRect/>
-          </a:stretch>
+          <a:stretch/>
         </p:blipFill>
+        <p:spPr>
+          <a:xfrm>
+            <a:off x="24952275" y="22215157"/>
+            <a:ext cx="10607724" cy="5183803"/>
+          </a:xfrm>
+          <a:prstGeom prst="rect">
+            <a:avLst/>
+          </a:prstGeom>
+          <a:ln w="38100">
+            <a:solidFill>
+              <a:schemeClr val="accent6">
+                <a:lumMod val="50000"/>
+              </a:schemeClr>
+            </a:solidFill>
+          </a:ln>
+        </p:spPr>
+      </p:pic>
+      <p:sp>
+        <p:nvSpPr>
+          <p:cNvPr id="3" name="Text Box 238">
+            <a:extLst>
+              <a:ext uri="{FF2B5EF4-FFF2-40B4-BE49-F238E27FC236}">
+                <a16:creationId xmlns:a16="http://schemas.microsoft.com/office/drawing/2014/main" id="{BBFD1DFB-0B82-B30F-997C-7F7EEEE9FAA5}"/>
+              </a:ext>
+            </a:extLst>
+          </p:cNvPr>
+          <p:cNvSpPr txBox="1">
+            <a:spLocks noChangeArrowheads="1"/>
+          </p:cNvSpPr>
+          <p:nvPr/>
+        </p:nvSpPr>
         <p:spPr bwMode="auto">
           <a:xfrm>
-            <a:off x="32694563" y="145022"/>
-            <a:ext cx="3475037" cy="3284538"/>
+            <a:off x="24652306" y="28575000"/>
+            <a:ext cx="10744200" cy="4200693"/>
           </a:xfrm>
           <a:prstGeom prst="rect">
             <a:avLst/>
@@ -8056,7 +7619,384 @@
             </a:ext>
           </a:extLst>
         </p:spPr>
-      </p:pic>
+        <p:txBody>
+          <a:bodyPr lIns="0" tIns="45267" rIns="0" bIns="457200">
+            <a:spAutoFit/>
+          </a:bodyPr>
+          <a:lstStyle>
+            <a:lvl1pPr marL="877888" indent="-877888" defTabSz="908050">
+              <a:defRPr sz="4000" b="1">
+                <a:solidFill>
+                  <a:srgbClr val="003399"/>
+                </a:solidFill>
+                <a:latin typeface="Arial" panose="020B0604020202020204" pitchFamily="34" charset="0"/>
+              </a:defRPr>
+            </a:lvl1pPr>
+            <a:lvl2pPr marL="742950" indent="-285750" defTabSz="908050">
+              <a:defRPr sz="4000" b="1">
+                <a:solidFill>
+                  <a:srgbClr val="003399"/>
+                </a:solidFill>
+                <a:latin typeface="Arial" panose="020B0604020202020204" pitchFamily="34" charset="0"/>
+              </a:defRPr>
+            </a:lvl2pPr>
+            <a:lvl3pPr marL="1143000" indent="-228600" defTabSz="908050">
+              <a:defRPr sz="4000" b="1">
+                <a:solidFill>
+                  <a:srgbClr val="003399"/>
+                </a:solidFill>
+                <a:latin typeface="Arial" panose="020B0604020202020204" pitchFamily="34" charset="0"/>
+              </a:defRPr>
+            </a:lvl3pPr>
+            <a:lvl4pPr marL="1600200" indent="-228600" defTabSz="908050">
+              <a:defRPr sz="4000" b="1">
+                <a:solidFill>
+                  <a:srgbClr val="003399"/>
+                </a:solidFill>
+                <a:latin typeface="Arial" panose="020B0604020202020204" pitchFamily="34" charset="0"/>
+              </a:defRPr>
+            </a:lvl4pPr>
+            <a:lvl5pPr marL="2057400" indent="-228600" defTabSz="908050">
+              <a:defRPr sz="4000" b="1">
+                <a:solidFill>
+                  <a:srgbClr val="003399"/>
+                </a:solidFill>
+                <a:latin typeface="Arial" panose="020B0604020202020204" pitchFamily="34" charset="0"/>
+              </a:defRPr>
+            </a:lvl5pPr>
+            <a:lvl6pPr marL="2514600" indent="-228600" defTabSz="908050" eaLnBrk="0" fontAlgn="base" hangingPunct="0">
+              <a:spcBef>
+                <a:spcPct val="0"/>
+              </a:spcBef>
+              <a:spcAft>
+                <a:spcPct val="0"/>
+              </a:spcAft>
+              <a:defRPr sz="4000" b="1">
+                <a:solidFill>
+                  <a:srgbClr val="003399"/>
+                </a:solidFill>
+                <a:latin typeface="Arial" panose="020B0604020202020204" pitchFamily="34" charset="0"/>
+              </a:defRPr>
+            </a:lvl6pPr>
+            <a:lvl7pPr marL="2971800" indent="-228600" defTabSz="908050" eaLnBrk="0" fontAlgn="base" hangingPunct="0">
+              <a:spcBef>
+                <a:spcPct val="0"/>
+              </a:spcBef>
+              <a:spcAft>
+                <a:spcPct val="0"/>
+              </a:spcAft>
+              <a:defRPr sz="4000" b="1">
+                <a:solidFill>
+                  <a:srgbClr val="003399"/>
+                </a:solidFill>
+                <a:latin typeface="Arial" panose="020B0604020202020204" pitchFamily="34" charset="0"/>
+              </a:defRPr>
+            </a:lvl7pPr>
+            <a:lvl8pPr marL="3429000" indent="-228600" defTabSz="908050" eaLnBrk="0" fontAlgn="base" hangingPunct="0">
+              <a:spcBef>
+                <a:spcPct val="0"/>
+              </a:spcBef>
+              <a:spcAft>
+                <a:spcPct val="0"/>
+              </a:spcAft>
+              <a:defRPr sz="4000" b="1">
+                <a:solidFill>
+                  <a:srgbClr val="003399"/>
+                </a:solidFill>
+                <a:latin typeface="Arial" panose="020B0604020202020204" pitchFamily="34" charset="0"/>
+              </a:defRPr>
+            </a:lvl8pPr>
+            <a:lvl9pPr marL="3886200" indent="-228600" defTabSz="908050" eaLnBrk="0" fontAlgn="base" hangingPunct="0">
+              <a:spcBef>
+                <a:spcPct val="0"/>
+              </a:spcBef>
+              <a:spcAft>
+                <a:spcPct val="0"/>
+              </a:spcAft>
+              <a:defRPr sz="4000" b="1">
+                <a:solidFill>
+                  <a:srgbClr val="003399"/>
+                </a:solidFill>
+                <a:latin typeface="Arial" panose="020B0604020202020204" pitchFamily="34" charset="0"/>
+              </a:defRPr>
+            </a:lvl9pPr>
+          </a:lstStyle>
+          <a:p>
+            <a:r>
+              <a:rPr lang="en-US" altLang="en-US" sz="6000" dirty="0">
+                <a:solidFill>
+                  <a:schemeClr val="accent6">
+                    <a:lumMod val="50000"/>
+                  </a:schemeClr>
+                </a:solidFill>
+                <a:latin typeface="Cambria" panose="02040503050406030204" pitchFamily="18" charset="0"/>
+                <a:ea typeface="Cambria" panose="02040503050406030204" pitchFamily="18" charset="0"/>
+              </a:rPr>
+              <a:t>References</a:t>
+            </a:r>
+          </a:p>
+          <a:p>
+            <a:r>
+              <a:rPr lang="en-US" sz="2000" b="0" i="0" dirty="0">
+                <a:solidFill>
+                  <a:srgbClr val="1C2D3D"/>
+                </a:solidFill>
+                <a:effectLst/>
+                <a:latin typeface="Roboto" panose="02000000000000000000" pitchFamily="2" charset="0"/>
+              </a:rPr>
+              <a:t>Frisch-Scott, N. E., &amp; Nakamura, K. (2022). Time for a change: Examining the relationships between recidivism-free time, recidivism risk, and risk assessment. Justice Quarterly,39 (6), 1156–1179. https://doi.org/10.1080/07418825.2021.1957983</a:t>
+            </a:r>
+          </a:p>
+          <a:p>
+            <a:r>
+              <a:rPr lang="en-US" sz="2000" b="0" i="0" dirty="0">
+                <a:solidFill>
+                  <a:srgbClr val="1C2D3D"/>
+                </a:solidFill>
+                <a:effectLst/>
+                <a:latin typeface="Roboto" panose="02000000000000000000" pitchFamily="2" charset="0"/>
+              </a:rPr>
+              <a:t>Steinmetz, K. F., &amp;, Henderson, H. (2016). Inequality on probation: An examination of differential probation outcomes. Journal of Ethnicity in Criminal Justice, 14 (1), 1–20.https://doi.org/10.1080/15377938.2015.1030527.</a:t>
+            </a:r>
+          </a:p>
+          <a:p>
+            <a:r>
+              <a:rPr lang="en-US" sz="2000" b="0" i="0" dirty="0">
+                <a:solidFill>
+                  <a:srgbClr val="1C2D3D"/>
+                </a:solidFill>
+                <a:effectLst/>
+                <a:latin typeface="Roboto" panose="02000000000000000000" pitchFamily="2" charset="0"/>
+              </a:rPr>
+              <a:t>Walters, G. D. (2016). Predicting recidivism with the criminal sentiments scale: meta-analysis of putative measure of criminal thought content. </a:t>
+            </a:r>
+            <a:r>
+              <a:rPr lang="en-US" sz="2000" b="0" i="1" dirty="0">
+                <a:solidFill>
+                  <a:srgbClr val="1C2D3D"/>
+                </a:solidFill>
+                <a:effectLst/>
+                <a:latin typeface="Roboto" panose="02000000000000000000" pitchFamily="2" charset="0"/>
+              </a:rPr>
+              <a:t>Criminal Justice and Behavior, 43(9),</a:t>
+            </a:r>
+            <a:r>
+              <a:rPr lang="en-US" sz="2000" b="0" i="0" dirty="0">
+                <a:solidFill>
+                  <a:srgbClr val="1C2D3D"/>
+                </a:solidFill>
+                <a:effectLst/>
+                <a:latin typeface="Roboto" panose="02000000000000000000" pitchFamily="2" charset="0"/>
+              </a:rPr>
+              <a:t> 1159-1172.</a:t>
+            </a:r>
+          </a:p>
+        </p:txBody>
+      </p:sp>
+      <p:sp>
+        <p:nvSpPr>
+          <p:cNvPr id="4" name="Text Box 402">
+            <a:extLst>
+              <a:ext uri="{FF2B5EF4-FFF2-40B4-BE49-F238E27FC236}">
+                <a16:creationId xmlns:a16="http://schemas.microsoft.com/office/drawing/2014/main" id="{5A39DC8D-1A2C-36A1-FB2C-4A4E9BF606BF}"/>
+              </a:ext>
+            </a:extLst>
+          </p:cNvPr>
+          <p:cNvSpPr txBox="1">
+            <a:spLocks noChangeArrowheads="1"/>
+          </p:cNvSpPr>
+          <p:nvPr/>
+        </p:nvSpPr>
+        <p:spPr bwMode="auto">
+          <a:xfrm>
+            <a:off x="12726413" y="31242000"/>
+            <a:ext cx="10413247" cy="984885"/>
+          </a:xfrm>
+          <a:prstGeom prst="rect">
+            <a:avLst/>
+          </a:prstGeom>
+          <a:noFill/>
+          <a:ln>
+            <a:noFill/>
+          </a:ln>
+          <a:extLst>
+            <a:ext uri="{909E8E84-426E-40DD-AFC4-6F175D3DCCD1}">
+              <a14:hiddenFill xmlns:a14="http://schemas.microsoft.com/office/drawing/2010/main">
+                <a:solidFill>
+                  <a:srgbClr val="FFFFFF"/>
+                </a:solidFill>
+              </a14:hiddenFill>
+            </a:ext>
+            <a:ext uri="{91240B29-F687-4F45-9708-019B960494DF}">
+              <a14:hiddenLine xmlns:a14="http://schemas.microsoft.com/office/drawing/2010/main" w="9525">
+                <a:solidFill>
+                  <a:srgbClr val="000000"/>
+                </a:solidFill>
+                <a:miter lim="800000"/>
+                <a:headEnd/>
+                <a:tailEnd/>
+              </a14:hiddenLine>
+            </a:ext>
+          </a:extLst>
+        </p:spPr>
+        <p:txBody>
+          <a:bodyPr wrap="square" lIns="0" tIns="0" rIns="0" bIns="0">
+            <a:spAutoFit/>
+          </a:bodyPr>
+          <a:lstStyle>
+            <a:lvl1pPr defTabSz="908050">
+              <a:tabLst>
+                <a:tab pos="914400" algn="l"/>
+              </a:tabLst>
+              <a:defRPr sz="4000" b="1">
+                <a:solidFill>
+                  <a:srgbClr val="003399"/>
+                </a:solidFill>
+                <a:latin typeface="Arial" panose="020B0604020202020204" pitchFamily="34" charset="0"/>
+              </a:defRPr>
+            </a:lvl1pPr>
+            <a:lvl2pPr marL="742950" indent="-285750" defTabSz="908050">
+              <a:tabLst>
+                <a:tab pos="914400" algn="l"/>
+              </a:tabLst>
+              <a:defRPr sz="4000" b="1">
+                <a:solidFill>
+                  <a:srgbClr val="003399"/>
+                </a:solidFill>
+                <a:latin typeface="Arial" panose="020B0604020202020204" pitchFamily="34" charset="0"/>
+              </a:defRPr>
+            </a:lvl2pPr>
+            <a:lvl3pPr marL="1143000" indent="-228600" defTabSz="908050">
+              <a:tabLst>
+                <a:tab pos="914400" algn="l"/>
+              </a:tabLst>
+              <a:defRPr sz="4000" b="1">
+                <a:solidFill>
+                  <a:srgbClr val="003399"/>
+                </a:solidFill>
+                <a:latin typeface="Arial" panose="020B0604020202020204" pitchFamily="34" charset="0"/>
+              </a:defRPr>
+            </a:lvl3pPr>
+            <a:lvl4pPr marL="1600200" indent="-228600" defTabSz="908050">
+              <a:tabLst>
+                <a:tab pos="914400" algn="l"/>
+              </a:tabLst>
+              <a:defRPr sz="4000" b="1">
+                <a:solidFill>
+                  <a:srgbClr val="003399"/>
+                </a:solidFill>
+                <a:latin typeface="Arial" panose="020B0604020202020204" pitchFamily="34" charset="0"/>
+              </a:defRPr>
+            </a:lvl4pPr>
+            <a:lvl5pPr marL="2057400" indent="-228600" defTabSz="908050">
+              <a:tabLst>
+                <a:tab pos="914400" algn="l"/>
+              </a:tabLst>
+              <a:defRPr sz="4000" b="1">
+                <a:solidFill>
+                  <a:srgbClr val="003399"/>
+                </a:solidFill>
+                <a:latin typeface="Arial" panose="020B0604020202020204" pitchFamily="34" charset="0"/>
+              </a:defRPr>
+            </a:lvl5pPr>
+            <a:lvl6pPr marL="2514600" indent="-228600" defTabSz="908050" eaLnBrk="0" fontAlgn="base" hangingPunct="0">
+              <a:spcBef>
+                <a:spcPct val="0"/>
+              </a:spcBef>
+              <a:spcAft>
+                <a:spcPct val="0"/>
+              </a:spcAft>
+              <a:tabLst>
+                <a:tab pos="914400" algn="l"/>
+              </a:tabLst>
+              <a:defRPr sz="4000" b="1">
+                <a:solidFill>
+                  <a:srgbClr val="003399"/>
+                </a:solidFill>
+                <a:latin typeface="Arial" panose="020B0604020202020204" pitchFamily="34" charset="0"/>
+              </a:defRPr>
+            </a:lvl6pPr>
+            <a:lvl7pPr marL="2971800" indent="-228600" defTabSz="908050" eaLnBrk="0" fontAlgn="base" hangingPunct="0">
+              <a:spcBef>
+                <a:spcPct val="0"/>
+              </a:spcBef>
+              <a:spcAft>
+                <a:spcPct val="0"/>
+              </a:spcAft>
+              <a:tabLst>
+                <a:tab pos="914400" algn="l"/>
+              </a:tabLst>
+              <a:defRPr sz="4000" b="1">
+                <a:solidFill>
+                  <a:srgbClr val="003399"/>
+                </a:solidFill>
+                <a:latin typeface="Arial" panose="020B0604020202020204" pitchFamily="34" charset="0"/>
+              </a:defRPr>
+            </a:lvl7pPr>
+            <a:lvl8pPr marL="3429000" indent="-228600" defTabSz="908050" eaLnBrk="0" fontAlgn="base" hangingPunct="0">
+              <a:spcBef>
+                <a:spcPct val="0"/>
+              </a:spcBef>
+              <a:spcAft>
+                <a:spcPct val="0"/>
+              </a:spcAft>
+              <a:tabLst>
+                <a:tab pos="914400" algn="l"/>
+              </a:tabLst>
+              <a:defRPr sz="4000" b="1">
+                <a:solidFill>
+                  <a:srgbClr val="003399"/>
+                </a:solidFill>
+                <a:latin typeface="Arial" panose="020B0604020202020204" pitchFamily="34" charset="0"/>
+              </a:defRPr>
+            </a:lvl8pPr>
+            <a:lvl9pPr marL="3886200" indent="-228600" defTabSz="908050" eaLnBrk="0" fontAlgn="base" hangingPunct="0">
+              <a:spcBef>
+                <a:spcPct val="0"/>
+              </a:spcBef>
+              <a:spcAft>
+                <a:spcPct val="0"/>
+              </a:spcAft>
+              <a:tabLst>
+                <a:tab pos="914400" algn="l"/>
+              </a:tabLst>
+              <a:defRPr sz="4000" b="1">
+                <a:solidFill>
+                  <a:srgbClr val="003399"/>
+                </a:solidFill>
+                <a:latin typeface="Arial" panose="020B0604020202020204" pitchFamily="34" charset="0"/>
+              </a:defRPr>
+            </a:lvl9pPr>
+          </a:lstStyle>
+          <a:p>
+            <a:pPr>
+              <a:buSzPct val="195000"/>
+              <a:buFont typeface="Wingdings" pitchFamily="2" charset="2"/>
+              <a:buNone/>
+            </a:pPr>
+            <a:r>
+              <a:rPr lang="en-US" altLang="en-US" sz="3200" dirty="0">
+                <a:solidFill>
+                  <a:schemeClr val="accent6">
+                    <a:lumMod val="50000"/>
+                  </a:schemeClr>
+                </a:solidFill>
+                <a:latin typeface="Times New Roman" panose="02020603050405020304" pitchFamily="18" charset="0"/>
+              </a:rPr>
+              <a:t>Acknowledgements: </a:t>
+            </a:r>
+            <a:r>
+              <a:rPr lang="en-US" altLang="en-US" sz="3200" b="0" dirty="0">
+                <a:solidFill>
+                  <a:schemeClr val="tx1"/>
+                </a:solidFill>
+                <a:latin typeface="Times New Roman" panose="02020603050405020304" pitchFamily="18" charset="0"/>
+              </a:rPr>
+              <a:t>I would like to thank Professor Jen Rose and Professor Val Nazzaro for their support with this project. </a:t>
+            </a:r>
+          </a:p>
+        </p:txBody>
+      </p:sp>
     </p:spTree>
   </p:cSld>
   <p:clrMapOvr>

--- a/Writing/WesFest Poster 2.pptx
+++ b/Writing/WesFest Poster 2.pptx
@@ -7249,7 +7249,7 @@
         <p:spPr bwMode="auto">
           <a:xfrm>
             <a:off x="1016001" y="3763824"/>
-            <a:ext cx="10907713" cy="1189176"/>
+            <a:ext cx="10907713" cy="884372"/>
           </a:xfrm>
           <a:prstGeom prst="roundRect">
             <a:avLst/>
